--- a/docs/pj-task3/PsychPk - Concept Video.pptx
+++ b/docs/pj-task3/PsychPk - Concept Video.pptx
@@ -1,33 +1,34 @@
 
 <file path=ppt/presentation.xml><?xml version="1.0" encoding="utf-8"?>
-<p:presentation xmlns:a="http://schemas.openxmlformats.org/drawingml/2006/main" xmlns:r="http://schemas.openxmlformats.org/officeDocument/2006/relationships" xmlns:mc="http://schemas.openxmlformats.org/markup-compatibility/2006" xmlns:mv="urn:schemas-microsoft-com:mac:vml" xmlns:p="http://schemas.openxmlformats.org/presentationml/2006/main" xmlns:c="http://schemas.openxmlformats.org/drawingml/2006/chart" xmlns:dgm="http://schemas.openxmlformats.org/drawingml/2006/diagram" xmlns:o="urn:schemas-microsoft-com:office:office" xmlns:v="urn:schemas-microsoft-com:vml" xmlns:pvml="urn:schemas-microsoft-com:office:powerpoint" xmlns:com="http://schemas.openxmlformats.org/drawingml/2006/compatibility" xmlns:p14="http://schemas.microsoft.com/office/powerpoint/2010/main" autoCompressPictures="0" embedTrueTypeFonts="1" strictFirstAndLastChars="0" saveSubsetFonts="1">
+<p:presentation xmlns:a="http://schemas.openxmlformats.org/drawingml/2006/main" xmlns:r="http://schemas.openxmlformats.org/officeDocument/2006/relationships" xmlns:p="http://schemas.openxmlformats.org/presentationml/2006/main" strictFirstAndLastChars="0" embedTrueTypeFonts="1" saveSubsetFonts="1" autoCompressPictures="0">
   <p:sldMasterIdLst>
-    <p:sldMasterId id="2147483659" r:id="rId3"/>
+    <p:sldMasterId id="2147483659" r:id="rId1"/>
   </p:sldMasterIdLst>
   <p:notesMasterIdLst>
-    <p:notesMasterId r:id="rId4"/>
+    <p:notesMasterId r:id="rId6"/>
   </p:notesMasterIdLst>
   <p:sldIdLst>
-    <p:sldId id="256" r:id="rId5"/>
-    <p:sldId id="257" r:id="rId6"/>
-    <p:sldId id="258" r:id="rId7"/>
+    <p:sldId id="256" r:id="rId2"/>
+    <p:sldId id="257" r:id="rId3"/>
+    <p:sldId id="258" r:id="rId4"/>
+    <p:sldId id="259" r:id="rId5"/>
   </p:sldIdLst>
-  <p:sldSz cy="5143500" cx="9144000"/>
+  <p:sldSz cx="9144000" cy="5143500" type="screen16x9"/>
   <p:notesSz cx="6858000" cy="9144000"/>
   <p:embeddedFontLst>
     <p:embeddedFont>
-      <p:font typeface="Amatic SC"/>
-      <p:regular r:id="rId8"/>
-      <p:bold r:id="rId9"/>
+      <p:font typeface="Source Code Pro" panose="020B0604020202020204" charset="0"/>
+      <p:regular r:id="rId7"/>
+      <p:bold r:id="rId8"/>
     </p:embeddedFont>
     <p:embeddedFont>
-      <p:font typeface="Source Code Pro"/>
-      <p:regular r:id="rId10"/>
-      <p:bold r:id="rId11"/>
+      <p:font typeface="Amatic SC" panose="020B0604020202020204" charset="-79"/>
+      <p:regular r:id="rId9"/>
+      <p:bold r:id="rId10"/>
     </p:embeddedFont>
   </p:embeddedFontLst>
   <p:defaultTextStyle>
-    <a:defPPr lvl="0" marR="0" rtl="0" algn="l">
+    <a:defPPr marR="0" lvl="0" algn="l" rtl="0">
       <a:lnSpc>
         <a:spcPct val="100000"/>
       </a:lnSpc>
@@ -38,7 +39,7 @@
         <a:spcPts val="0"/>
       </a:spcAft>
     </a:defPPr>
-    <a:lvl1pPr lvl="0" marR="0" rtl="0" algn="l">
+    <a:lvl1pPr marR="0" lvl="0" algn="l" rtl="0">
       <a:lnSpc>
         <a:spcPct val="100000"/>
       </a:lnSpc>
@@ -49,7 +50,7 @@
         <a:spcPts val="0"/>
       </a:spcAft>
       <a:buNone/>
-      <a:defRPr b="0" i="0" sz="1400" u="none" cap="none" strike="noStrike">
+      <a:defRPr sz="1400" b="0" i="0" u="none" strike="noStrike" cap="none">
         <a:solidFill>
           <a:srgbClr val="000000"/>
         </a:solidFill>
@@ -59,7 +60,7 @@
         <a:sym typeface="Arial"/>
       </a:defRPr>
     </a:lvl1pPr>
-    <a:lvl2pPr lvl="1" marR="0" rtl="0" algn="l">
+    <a:lvl2pPr marR="0" lvl="1" algn="l" rtl="0">
       <a:lnSpc>
         <a:spcPct val="100000"/>
       </a:lnSpc>
@@ -70,7 +71,7 @@
         <a:spcPts val="0"/>
       </a:spcAft>
       <a:buNone/>
-      <a:defRPr b="0" i="0" sz="1400" u="none" cap="none" strike="noStrike">
+      <a:defRPr sz="1400" b="0" i="0" u="none" strike="noStrike" cap="none">
         <a:solidFill>
           <a:srgbClr val="000000"/>
         </a:solidFill>
@@ -80,7 +81,7 @@
         <a:sym typeface="Arial"/>
       </a:defRPr>
     </a:lvl2pPr>
-    <a:lvl3pPr lvl="2" marR="0" rtl="0" algn="l">
+    <a:lvl3pPr marR="0" lvl="2" algn="l" rtl="0">
       <a:lnSpc>
         <a:spcPct val="100000"/>
       </a:lnSpc>
@@ -91,7 +92,7 @@
         <a:spcPts val="0"/>
       </a:spcAft>
       <a:buNone/>
-      <a:defRPr b="0" i="0" sz="1400" u="none" cap="none" strike="noStrike">
+      <a:defRPr sz="1400" b="0" i="0" u="none" strike="noStrike" cap="none">
         <a:solidFill>
           <a:srgbClr val="000000"/>
         </a:solidFill>
@@ -101,7 +102,7 @@
         <a:sym typeface="Arial"/>
       </a:defRPr>
     </a:lvl3pPr>
-    <a:lvl4pPr lvl="3" marR="0" rtl="0" algn="l">
+    <a:lvl4pPr marR="0" lvl="3" algn="l" rtl="0">
       <a:lnSpc>
         <a:spcPct val="100000"/>
       </a:lnSpc>
@@ -112,7 +113,7 @@
         <a:spcPts val="0"/>
       </a:spcAft>
       <a:buNone/>
-      <a:defRPr b="0" i="0" sz="1400" u="none" cap="none" strike="noStrike">
+      <a:defRPr sz="1400" b="0" i="0" u="none" strike="noStrike" cap="none">
         <a:solidFill>
           <a:srgbClr val="000000"/>
         </a:solidFill>
@@ -122,7 +123,7 @@
         <a:sym typeface="Arial"/>
       </a:defRPr>
     </a:lvl4pPr>
-    <a:lvl5pPr lvl="4" marR="0" rtl="0" algn="l">
+    <a:lvl5pPr marR="0" lvl="4" algn="l" rtl="0">
       <a:lnSpc>
         <a:spcPct val="100000"/>
       </a:lnSpc>
@@ -133,7 +134,7 @@
         <a:spcPts val="0"/>
       </a:spcAft>
       <a:buNone/>
-      <a:defRPr b="0" i="0" sz="1400" u="none" cap="none" strike="noStrike">
+      <a:defRPr sz="1400" b="0" i="0" u="none" strike="noStrike" cap="none">
         <a:solidFill>
           <a:srgbClr val="000000"/>
         </a:solidFill>
@@ -143,7 +144,7 @@
         <a:sym typeface="Arial"/>
       </a:defRPr>
     </a:lvl5pPr>
-    <a:lvl6pPr lvl="5" marR="0" rtl="0" algn="l">
+    <a:lvl6pPr marR="0" lvl="5" algn="l" rtl="0">
       <a:lnSpc>
         <a:spcPct val="100000"/>
       </a:lnSpc>
@@ -154,7 +155,7 @@
         <a:spcPts val="0"/>
       </a:spcAft>
       <a:buNone/>
-      <a:defRPr b="0" i="0" sz="1400" u="none" cap="none" strike="noStrike">
+      <a:defRPr sz="1400" b="0" i="0" u="none" strike="noStrike" cap="none">
         <a:solidFill>
           <a:srgbClr val="000000"/>
         </a:solidFill>
@@ -164,7 +165,7 @@
         <a:sym typeface="Arial"/>
       </a:defRPr>
     </a:lvl6pPr>
-    <a:lvl7pPr lvl="6" marR="0" rtl="0" algn="l">
+    <a:lvl7pPr marR="0" lvl="6" algn="l" rtl="0">
       <a:lnSpc>
         <a:spcPct val="100000"/>
       </a:lnSpc>
@@ -175,7 +176,7 @@
         <a:spcPts val="0"/>
       </a:spcAft>
       <a:buNone/>
-      <a:defRPr b="0" i="0" sz="1400" u="none" cap="none" strike="noStrike">
+      <a:defRPr sz="1400" b="0" i="0" u="none" strike="noStrike" cap="none">
         <a:solidFill>
           <a:srgbClr val="000000"/>
         </a:solidFill>
@@ -185,7 +186,7 @@
         <a:sym typeface="Arial"/>
       </a:defRPr>
     </a:lvl7pPr>
-    <a:lvl8pPr lvl="7" marR="0" rtl="0" algn="l">
+    <a:lvl8pPr marR="0" lvl="7" algn="l" rtl="0">
       <a:lnSpc>
         <a:spcPct val="100000"/>
       </a:lnSpc>
@@ -196,7 +197,7 @@
         <a:spcPts val="0"/>
       </a:spcAft>
       <a:buNone/>
-      <a:defRPr b="0" i="0" sz="1400" u="none" cap="none" strike="noStrike">
+      <a:defRPr sz="1400" b="0" i="0" u="none" strike="noStrike" cap="none">
         <a:solidFill>
           <a:srgbClr val="000000"/>
         </a:solidFill>
@@ -206,7 +207,7 @@
         <a:sym typeface="Arial"/>
       </a:defRPr>
     </a:lvl8pPr>
-    <a:lvl9pPr lvl="8" marR="0" rtl="0" algn="l">
+    <a:lvl9pPr marR="0" lvl="8" algn="l" rtl="0">
       <a:lnSpc>
         <a:spcPct val="100000"/>
       </a:lnSpc>
@@ -217,7 +218,7 @@
         <a:spcPts val="0"/>
       </a:spcAft>
       <a:buNone/>
-      <a:defRPr b="0" i="0" sz="1400" u="none" cap="none" strike="noStrike">
+      <a:defRPr sz="1400" b="0" i="0" u="none" strike="noStrike" cap="none">
         <a:solidFill>
           <a:srgbClr val="000000"/>
         </a:solidFill>
@@ -231,12 +232,21 @@
 </p:presentation>
 </file>
 
+<file path=ppt/revisionInfo.xml><?xml version="1.0" encoding="utf-8"?>
+<p1510:revInfo xmlns:a="http://schemas.openxmlformats.org/drawingml/2006/main" xmlns:r="http://schemas.openxmlformats.org/officeDocument/2006/relationships" xmlns:p1510="http://schemas.microsoft.com/office/powerpoint/2015/10/main"/>
+</file>
+
 <file path=ppt/notesMasters/notesMaster1.xml><?xml version="1.0" encoding="utf-8"?>
-<p:notesMaster xmlns:a="http://schemas.openxmlformats.org/drawingml/2006/main" xmlns:r="http://schemas.openxmlformats.org/officeDocument/2006/relationships" xmlns:mc="http://schemas.openxmlformats.org/markup-compatibility/2006" xmlns:mv="urn:schemas-microsoft-com:mac:vml" xmlns:p="http://schemas.openxmlformats.org/presentationml/2006/main" xmlns:c="http://schemas.openxmlformats.org/drawingml/2006/chart" xmlns:dgm="http://schemas.openxmlformats.org/drawingml/2006/diagram" xmlns:o="urn:schemas-microsoft-com:office:office" xmlns:v="urn:schemas-microsoft-com:vml" xmlns:pvml="urn:schemas-microsoft-com:office:powerpoint" xmlns:com="http://schemas.openxmlformats.org/drawingml/2006/compatibility" xmlns:p14="http://schemas.microsoft.com/office/powerpoint/2010/main">
+<p:notesMaster xmlns:a="http://schemas.openxmlformats.org/drawingml/2006/main" xmlns:r="http://schemas.openxmlformats.org/officeDocument/2006/relationships" xmlns:p="http://schemas.openxmlformats.org/presentationml/2006/main">
   <p:cSld>
+    <p:bg>
+      <p:bgRef idx="1001">
+        <a:schemeClr val="bg1"/>
+      </p:bgRef>
+    </p:bg>
     <p:spTree>
       <p:nvGrpSpPr>
-        <p:cNvPr id="2" name="Shape 2"/>
+        <p:cNvPr id="1" name="Shape 2"/>
         <p:cNvGrpSpPr/>
         <p:nvPr/>
       </p:nvGrpSpPr>
@@ -251,9 +261,11 @@
       <p:sp>
         <p:nvSpPr>
           <p:cNvPr id="3" name="Shape 3"/>
-          <p:cNvSpPr/>
+          <p:cNvSpPr>
+            <a:spLocks noGrp="1" noRot="1" noChangeAspect="1"/>
+          </p:cNvSpPr>
           <p:nvPr>
-            <p:ph idx="2" type="sldImg"/>
+            <p:ph type="sldImg" idx="2"/>
           </p:nvPr>
         </p:nvSpPr>
         <p:spPr>
@@ -262,8 +274,13 @@
             <a:ext cx="6096075" cy="3429000"/>
           </a:xfrm>
           <a:custGeom>
+            <a:avLst/>
+            <a:gdLst/>
+            <a:ahLst/>
+            <a:cxnLst/>
+            <a:rect l="0" t="0" r="0" b="0"/>
             <a:pathLst>
-              <a:path extrusionOk="0" h="120000" w="120000">
+              <a:path w="120000" h="120000" extrusionOk="0">
                 <a:moveTo>
                   <a:pt x="0" y="0"/>
                 </a:moveTo>
@@ -281,23 +298,25 @@
             </a:pathLst>
           </a:custGeom>
           <a:noFill/>
-          <a:ln cap="flat" cmpd="sng" w="9525">
+          <a:ln w="9525" cap="flat" cmpd="sng">
             <a:solidFill>
               <a:srgbClr val="000000"/>
             </a:solidFill>
             <a:prstDash val="solid"/>
             <a:round/>
-            <a:headEnd len="med" w="med" type="none"/>
-            <a:tailEnd len="med" w="med" type="none"/>
+            <a:headEnd type="none" w="med" len="med"/>
+            <a:tailEnd type="none" w="med" len="med"/>
           </a:ln>
         </p:spPr>
       </p:sp>
       <p:sp>
         <p:nvSpPr>
           <p:cNvPr id="4" name="Shape 4"/>
-          <p:cNvSpPr txBox="1"/>
+          <p:cNvSpPr txBox="1">
+            <a:spLocks noGrp="1"/>
+          </p:cNvSpPr>
           <p:nvPr>
-            <p:ph idx="1" type="body"/>
+            <p:ph type="body" idx="1"/>
           </p:nvPr>
         </p:nvSpPr>
         <p:spPr>
@@ -314,7 +333,7 @@
           </a:ln>
         </p:spPr>
         <p:txBody>
-          <a:bodyPr anchorCtr="0" anchor="t" bIns="91425" lIns="91425" rIns="91425" tIns="91425"/>
+          <a:bodyPr lIns="91425" tIns="91425" rIns="91425" bIns="91425" anchor="t" anchorCtr="0"/>
           <a:lstStyle>
             <a:lvl1pPr lvl="0">
               <a:spcBef>
@@ -371,21 +390,115 @@
               <a:defRPr sz="1100"/>
             </a:lvl9pPr>
           </a:lstStyle>
-          <a:p/>
+          <a:p>
+            <a:endParaRPr/>
+          </a:p>
         </p:txBody>
       </p:sp>
     </p:spTree>
   </p:cSld>
-  <p:clrMap accent1="accent1" accent2="accent2" accent3="accent3" accent4="accent4" accent5="accent5" accent6="accent6" bg1="lt1" bg2="dk2" tx1="dk1" tx2="lt2" folHlink="folHlink" hlink="hlink"/>
+  <p:clrMap bg1="lt1" tx1="dk1" bg2="dk2" tx2="lt2" accent1="accent1" accent2="accent2" accent3="accent3" accent4="accent4" accent5="accent5" accent6="accent6" hlink="hlink" folHlink="folHlink"/>
+  <p:notesStyle>
+    <a:lvl1pPr marL="0" algn="l" defTabSz="914400" rtl="0" eaLnBrk="1" latinLnBrk="0" hangingPunct="1">
+      <a:defRPr sz="1200" kern="1200">
+        <a:solidFill>
+          <a:schemeClr val="tx1"/>
+        </a:solidFill>
+        <a:latin typeface="+mn-lt"/>
+        <a:ea typeface="+mn-ea"/>
+        <a:cs typeface="+mn-cs"/>
+      </a:defRPr>
+    </a:lvl1pPr>
+    <a:lvl2pPr marL="457200" algn="l" defTabSz="914400" rtl="0" eaLnBrk="1" latinLnBrk="0" hangingPunct="1">
+      <a:defRPr sz="1200" kern="1200">
+        <a:solidFill>
+          <a:schemeClr val="tx1"/>
+        </a:solidFill>
+        <a:latin typeface="+mn-lt"/>
+        <a:ea typeface="+mn-ea"/>
+        <a:cs typeface="+mn-cs"/>
+      </a:defRPr>
+    </a:lvl2pPr>
+    <a:lvl3pPr marL="914400" algn="l" defTabSz="914400" rtl="0" eaLnBrk="1" latinLnBrk="0" hangingPunct="1">
+      <a:defRPr sz="1200" kern="1200">
+        <a:solidFill>
+          <a:schemeClr val="tx1"/>
+        </a:solidFill>
+        <a:latin typeface="+mn-lt"/>
+        <a:ea typeface="+mn-ea"/>
+        <a:cs typeface="+mn-cs"/>
+      </a:defRPr>
+    </a:lvl3pPr>
+    <a:lvl4pPr marL="1371600" algn="l" defTabSz="914400" rtl="0" eaLnBrk="1" latinLnBrk="0" hangingPunct="1">
+      <a:defRPr sz="1200" kern="1200">
+        <a:solidFill>
+          <a:schemeClr val="tx1"/>
+        </a:solidFill>
+        <a:latin typeface="+mn-lt"/>
+        <a:ea typeface="+mn-ea"/>
+        <a:cs typeface="+mn-cs"/>
+      </a:defRPr>
+    </a:lvl4pPr>
+    <a:lvl5pPr marL="1828800" algn="l" defTabSz="914400" rtl="0" eaLnBrk="1" latinLnBrk="0" hangingPunct="1">
+      <a:defRPr sz="1200" kern="1200">
+        <a:solidFill>
+          <a:schemeClr val="tx1"/>
+        </a:solidFill>
+        <a:latin typeface="+mn-lt"/>
+        <a:ea typeface="+mn-ea"/>
+        <a:cs typeface="+mn-cs"/>
+      </a:defRPr>
+    </a:lvl5pPr>
+    <a:lvl6pPr marL="2286000" algn="l" defTabSz="914400" rtl="0" eaLnBrk="1" latinLnBrk="0" hangingPunct="1">
+      <a:defRPr sz="1200" kern="1200">
+        <a:solidFill>
+          <a:schemeClr val="tx1"/>
+        </a:solidFill>
+        <a:latin typeface="+mn-lt"/>
+        <a:ea typeface="+mn-ea"/>
+        <a:cs typeface="+mn-cs"/>
+      </a:defRPr>
+    </a:lvl6pPr>
+    <a:lvl7pPr marL="2743200" algn="l" defTabSz="914400" rtl="0" eaLnBrk="1" latinLnBrk="0" hangingPunct="1">
+      <a:defRPr sz="1200" kern="1200">
+        <a:solidFill>
+          <a:schemeClr val="tx1"/>
+        </a:solidFill>
+        <a:latin typeface="+mn-lt"/>
+        <a:ea typeface="+mn-ea"/>
+        <a:cs typeface="+mn-cs"/>
+      </a:defRPr>
+    </a:lvl7pPr>
+    <a:lvl8pPr marL="3200400" algn="l" defTabSz="914400" rtl="0" eaLnBrk="1" latinLnBrk="0" hangingPunct="1">
+      <a:defRPr sz="1200" kern="1200">
+        <a:solidFill>
+          <a:schemeClr val="tx1"/>
+        </a:solidFill>
+        <a:latin typeface="+mn-lt"/>
+        <a:ea typeface="+mn-ea"/>
+        <a:cs typeface="+mn-cs"/>
+      </a:defRPr>
+    </a:lvl8pPr>
+    <a:lvl9pPr marL="3657600" algn="l" defTabSz="914400" rtl="0" eaLnBrk="1" latinLnBrk="0" hangingPunct="1">
+      <a:defRPr sz="1200" kern="1200">
+        <a:solidFill>
+          <a:schemeClr val="tx1"/>
+        </a:solidFill>
+        <a:latin typeface="+mn-lt"/>
+        <a:ea typeface="+mn-ea"/>
+        <a:cs typeface="+mn-cs"/>
+      </a:defRPr>
+    </a:lvl9pPr>
+  </p:notesStyle>
 </p:notesMaster>
 </file>
 
 <file path=ppt/notesSlides/notesSlide1.xml><?xml version="1.0" encoding="utf-8"?>
-<p:notes xmlns:a="http://schemas.openxmlformats.org/drawingml/2006/main" xmlns:r="http://schemas.openxmlformats.org/officeDocument/2006/relationships" xmlns:mc="http://schemas.openxmlformats.org/markup-compatibility/2006" xmlns:mv="urn:schemas-microsoft-com:mac:vml" xmlns:p="http://schemas.openxmlformats.org/presentationml/2006/main" xmlns:c="http://schemas.openxmlformats.org/drawingml/2006/chart" xmlns:dgm="http://schemas.openxmlformats.org/drawingml/2006/diagram" xmlns:o="urn:schemas-microsoft-com:office:office" xmlns:v="urn:schemas-microsoft-com:vml" xmlns:pvml="urn:schemas-microsoft-com:office:powerpoint" xmlns:com="http://schemas.openxmlformats.org/drawingml/2006/compatibility" xmlns:p14="http://schemas.microsoft.com/office/powerpoint/2010/main" showMasterPhAnim="0" showMasterSp="0">
+<p:notes xmlns:a="http://schemas.openxmlformats.org/drawingml/2006/main" xmlns:r="http://schemas.openxmlformats.org/officeDocument/2006/relationships" xmlns:p="http://schemas.openxmlformats.org/presentationml/2006/main" showMasterSp="0" showMasterPhAnim="0">
   <p:cSld>
     <p:spTree>
       <p:nvGrpSpPr>
-        <p:cNvPr id="53" name="Shape 53"/>
+        <p:cNvPr id="1" name="Shape 53"/>
         <p:cNvGrpSpPr/>
         <p:nvPr/>
       </p:nvGrpSpPr>
@@ -400,9 +513,11 @@
       <p:sp>
         <p:nvSpPr>
           <p:cNvPr id="54" name="Shape 54"/>
-          <p:cNvSpPr/>
+          <p:cNvSpPr>
+            <a:spLocks noGrp="1" noRot="1" noChangeAspect="1"/>
+          </p:cNvSpPr>
           <p:nvPr>
-            <p:ph idx="2" type="sldImg"/>
+            <p:ph type="sldImg" idx="2"/>
           </p:nvPr>
         </p:nvSpPr>
         <p:spPr>
@@ -411,8 +526,13 @@
             <a:ext cx="6096075" cy="3429000"/>
           </a:xfrm>
           <a:custGeom>
+            <a:avLst/>
+            <a:gdLst/>
+            <a:ahLst/>
+            <a:cxnLst/>
+            <a:rect l="0" t="0" r="0" b="0"/>
             <a:pathLst>
-              <a:path extrusionOk="0" h="120000" w="120000">
+              <a:path w="120000" h="120000" extrusionOk="0">
                 <a:moveTo>
                   <a:pt x="0" y="0"/>
                 </a:moveTo>
@@ -434,9 +554,11 @@
       <p:sp>
         <p:nvSpPr>
           <p:cNvPr id="55" name="Shape 55"/>
-          <p:cNvSpPr txBox="1"/>
+          <p:cNvSpPr txBox="1">
+            <a:spLocks noGrp="1"/>
+          </p:cNvSpPr>
           <p:nvPr>
-            <p:ph idx="1" type="body"/>
+            <p:ph type="body" idx="1"/>
           </p:nvPr>
         </p:nvSpPr>
         <p:spPr>
@@ -449,7 +571,7 @@
           </a:prstGeom>
         </p:spPr>
         <p:txBody>
-          <a:bodyPr anchorCtr="0" anchor="t" bIns="91425" lIns="91425" rIns="91425" tIns="91425">
+          <a:bodyPr lIns="91425" tIns="91425" rIns="91425" bIns="91425" anchor="t" anchorCtr="0">
             <a:noAutofit/>
           </a:bodyPr>
           <a:lstStyle/>
@@ -460,9 +582,6 @@
               </a:spcBef>
               <a:buNone/>
             </a:pPr>
-            <a:r>
-              <a:t/>
-            </a:r>
             <a:endParaRPr/>
           </a:p>
         </p:txBody>
@@ -476,11 +595,11 @@
 </file>
 
 <file path=ppt/notesSlides/notesSlide2.xml><?xml version="1.0" encoding="utf-8"?>
-<p:notes xmlns:a="http://schemas.openxmlformats.org/drawingml/2006/main" xmlns:r="http://schemas.openxmlformats.org/officeDocument/2006/relationships" xmlns:mc="http://schemas.openxmlformats.org/markup-compatibility/2006" xmlns:mv="urn:schemas-microsoft-com:mac:vml" xmlns:p="http://schemas.openxmlformats.org/presentationml/2006/main" xmlns:c="http://schemas.openxmlformats.org/drawingml/2006/chart" xmlns:dgm="http://schemas.openxmlformats.org/drawingml/2006/diagram" xmlns:o="urn:schemas-microsoft-com:office:office" xmlns:v="urn:schemas-microsoft-com:vml" xmlns:pvml="urn:schemas-microsoft-com:office:powerpoint" xmlns:com="http://schemas.openxmlformats.org/drawingml/2006/compatibility" xmlns:p14="http://schemas.microsoft.com/office/powerpoint/2010/main" showMasterPhAnim="0" showMasterSp="0">
+<p:notes xmlns:a="http://schemas.openxmlformats.org/drawingml/2006/main" xmlns:r="http://schemas.openxmlformats.org/officeDocument/2006/relationships" xmlns:p="http://schemas.openxmlformats.org/presentationml/2006/main" showMasterSp="0" showMasterPhAnim="0">
   <p:cSld>
     <p:spTree>
       <p:nvGrpSpPr>
-        <p:cNvPr id="59" name="Shape 59"/>
+        <p:cNvPr id="1" name="Shape 59"/>
         <p:cNvGrpSpPr/>
         <p:nvPr/>
       </p:nvGrpSpPr>
@@ -495,9 +614,11 @@
       <p:sp>
         <p:nvSpPr>
           <p:cNvPr id="60" name="Shape 60"/>
-          <p:cNvSpPr/>
+          <p:cNvSpPr>
+            <a:spLocks noGrp="1" noRot="1" noChangeAspect="1"/>
+          </p:cNvSpPr>
           <p:nvPr>
-            <p:ph idx="2" type="sldImg"/>
+            <p:ph type="sldImg" idx="2"/>
           </p:nvPr>
         </p:nvSpPr>
         <p:spPr>
@@ -506,8 +627,13 @@
             <a:ext cx="6096000" cy="3429000"/>
           </a:xfrm>
           <a:custGeom>
+            <a:avLst/>
+            <a:gdLst/>
+            <a:ahLst/>
+            <a:cxnLst/>
+            <a:rect l="0" t="0" r="0" b="0"/>
             <a:pathLst>
-              <a:path extrusionOk="0" h="120000" w="120000">
+              <a:path w="120000" h="120000" extrusionOk="0">
                 <a:moveTo>
                   <a:pt x="0" y="0"/>
                 </a:moveTo>
@@ -529,9 +655,11 @@
       <p:sp>
         <p:nvSpPr>
           <p:cNvPr id="61" name="Shape 61"/>
-          <p:cNvSpPr txBox="1"/>
+          <p:cNvSpPr txBox="1">
+            <a:spLocks noGrp="1"/>
+          </p:cNvSpPr>
           <p:nvPr>
-            <p:ph idx="1" type="body"/>
+            <p:ph type="body" idx="1"/>
           </p:nvPr>
         </p:nvSpPr>
         <p:spPr>
@@ -544,7 +672,7 @@
           </a:prstGeom>
         </p:spPr>
         <p:txBody>
-          <a:bodyPr anchorCtr="0" anchor="t" bIns="91425" lIns="91425" rIns="91425" tIns="91425">
+          <a:bodyPr lIns="91425" tIns="91425" rIns="91425" bIns="91425" anchor="t" anchorCtr="0">
             <a:noAutofit/>
           </a:bodyPr>
           <a:lstStyle/>
@@ -555,9 +683,6 @@
               </a:spcBef>
               <a:buNone/>
             </a:pPr>
-            <a:r>
-              <a:t/>
-            </a:r>
             <a:endParaRPr/>
           </a:p>
         </p:txBody>
@@ -571,11 +696,11 @@
 </file>
 
 <file path=ppt/notesSlides/notesSlide3.xml><?xml version="1.0" encoding="utf-8"?>
-<p:notes xmlns:a="http://schemas.openxmlformats.org/drawingml/2006/main" xmlns:r="http://schemas.openxmlformats.org/officeDocument/2006/relationships" xmlns:mc="http://schemas.openxmlformats.org/markup-compatibility/2006" xmlns:mv="urn:schemas-microsoft-com:mac:vml" xmlns:p="http://schemas.openxmlformats.org/presentationml/2006/main" xmlns:c="http://schemas.openxmlformats.org/drawingml/2006/chart" xmlns:dgm="http://schemas.openxmlformats.org/drawingml/2006/diagram" xmlns:o="urn:schemas-microsoft-com:office:office" xmlns:v="urn:schemas-microsoft-com:vml" xmlns:pvml="urn:schemas-microsoft-com:office:powerpoint" xmlns:com="http://schemas.openxmlformats.org/drawingml/2006/compatibility" xmlns:p14="http://schemas.microsoft.com/office/powerpoint/2010/main" showMasterPhAnim="0" showMasterSp="0">
+<p:notes xmlns:a="http://schemas.openxmlformats.org/drawingml/2006/main" xmlns:r="http://schemas.openxmlformats.org/officeDocument/2006/relationships" xmlns:p="http://schemas.openxmlformats.org/presentationml/2006/main" showMasterSp="0" showMasterPhAnim="0">
   <p:cSld>
     <p:spTree>
       <p:nvGrpSpPr>
-        <p:cNvPr id="65" name="Shape 65"/>
+        <p:cNvPr id="1" name="Shape 65"/>
         <p:cNvGrpSpPr/>
         <p:nvPr/>
       </p:nvGrpSpPr>
@@ -590,9 +715,11 @@
       <p:sp>
         <p:nvSpPr>
           <p:cNvPr id="66" name="Shape 66"/>
-          <p:cNvSpPr/>
+          <p:cNvSpPr>
+            <a:spLocks noGrp="1" noRot="1" noChangeAspect="1"/>
+          </p:cNvSpPr>
           <p:nvPr>
-            <p:ph idx="2" type="sldImg"/>
+            <p:ph type="sldImg" idx="2"/>
           </p:nvPr>
         </p:nvSpPr>
         <p:spPr>
@@ -601,8 +728,13 @@
             <a:ext cx="6096000" cy="3429000"/>
           </a:xfrm>
           <a:custGeom>
+            <a:avLst/>
+            <a:gdLst/>
+            <a:ahLst/>
+            <a:cxnLst/>
+            <a:rect l="0" t="0" r="0" b="0"/>
             <a:pathLst>
-              <a:path extrusionOk="0" h="120000" w="120000">
+              <a:path w="120000" h="120000" extrusionOk="0">
                 <a:moveTo>
                   <a:pt x="0" y="0"/>
                 </a:moveTo>
@@ -624,9 +756,11 @@
       <p:sp>
         <p:nvSpPr>
           <p:cNvPr id="67" name="Shape 67"/>
-          <p:cNvSpPr txBox="1"/>
+          <p:cNvSpPr txBox="1">
+            <a:spLocks noGrp="1"/>
+          </p:cNvSpPr>
           <p:nvPr>
-            <p:ph idx="1" type="body"/>
+            <p:ph type="body" idx="1"/>
           </p:nvPr>
         </p:nvSpPr>
         <p:spPr>
@@ -639,7 +773,7 @@
           </a:prstGeom>
         </p:spPr>
         <p:txBody>
-          <a:bodyPr anchorCtr="0" anchor="t" bIns="91425" lIns="91425" rIns="91425" tIns="91425">
+          <a:bodyPr lIns="91425" tIns="91425" rIns="91425" bIns="91425" anchor="t" anchorCtr="0">
             <a:noAutofit/>
           </a:bodyPr>
           <a:lstStyle/>
@@ -650,9 +784,6 @@
               </a:spcBef>
               <a:buNone/>
             </a:pPr>
-            <a:r>
-              <a:t/>
-            </a:r>
             <a:endParaRPr/>
           </a:p>
         </p:txBody>
@@ -666,18 +797,19 @@
 </file>
 
 <file path=ppt/slideLayouts/slideLayout1.xml><?xml version="1.0" encoding="utf-8"?>
-<p:sldLayout xmlns:a="http://schemas.openxmlformats.org/drawingml/2006/main" xmlns:r="http://schemas.openxmlformats.org/officeDocument/2006/relationships" xmlns:mc="http://schemas.openxmlformats.org/markup-compatibility/2006" xmlns:mv="urn:schemas-microsoft-com:mac:vml" xmlns:p="http://schemas.openxmlformats.org/presentationml/2006/main" xmlns:c="http://schemas.openxmlformats.org/drawingml/2006/chart" xmlns:dgm="http://schemas.openxmlformats.org/drawingml/2006/diagram" xmlns:o="urn:schemas-microsoft-com:office:office" xmlns:v="urn:schemas-microsoft-com:vml" xmlns:pvml="urn:schemas-microsoft-com:office:powerpoint" xmlns:com="http://schemas.openxmlformats.org/drawingml/2006/compatibility" xmlns:p14="http://schemas.microsoft.com/office/powerpoint/2010/main" type="title">
+<p:sldLayout xmlns:a="http://schemas.openxmlformats.org/drawingml/2006/main" xmlns:r="http://schemas.openxmlformats.org/officeDocument/2006/relationships" xmlns:p="http://schemas.openxmlformats.org/presentationml/2006/main" type="title">
   <p:cSld name="Title slide">
     <p:bg>
       <p:bgPr>
         <a:solidFill>
           <a:schemeClr val="dk1"/>
         </a:solidFill>
+        <a:effectLst/>
       </p:bgPr>
     </p:bg>
     <p:spTree>
       <p:nvGrpSpPr>
-        <p:cNvPr id="9" name="Shape 9"/>
+        <p:cNvPr id="1" name="Shape 9"/>
         <p:cNvGrpSpPr/>
         <p:nvPr/>
       </p:nvGrpSpPr>
@@ -711,7 +843,7 @@
           </a:ln>
         </p:spPr>
         <p:txBody>
-          <a:bodyPr anchorCtr="0" anchor="ctr" bIns="91425" lIns="91425" rIns="91425" tIns="91425">
+          <a:bodyPr lIns="91425" tIns="91425" rIns="91425" bIns="91425" anchor="ctr" anchorCtr="0">
             <a:noAutofit/>
           </a:bodyPr>
           <a:lstStyle/>
@@ -722,9 +854,6 @@
               </a:spcBef>
               <a:buNone/>
             </a:pPr>
-            <a:r>
-              <a:t/>
-            </a:r>
             <a:endParaRPr/>
           </a:p>
         </p:txBody>
@@ -732,7 +861,9 @@
       <p:sp>
         <p:nvSpPr>
           <p:cNvPr id="11" name="Shape 11"/>
-          <p:cNvSpPr txBox="1"/>
+          <p:cNvSpPr txBox="1">
+            <a:spLocks noGrp="1"/>
+          </p:cNvSpPr>
           <p:nvPr>
             <p:ph type="ctrTitle"/>
           </p:nvPr>
@@ -747,7 +878,7 @@
           </a:prstGeom>
         </p:spPr>
         <p:txBody>
-          <a:bodyPr anchorCtr="0" anchor="ctr" bIns="91425" lIns="91425" rIns="91425" tIns="91425"/>
+          <a:bodyPr lIns="91425" tIns="91425" rIns="91425" bIns="91425" anchor="ctr" anchorCtr="0"/>
           <a:lstStyle>
             <a:lvl1pPr lvl="0" algn="ctr">
               <a:spcBef>
@@ -813,15 +944,19 @@
               <a:defRPr sz="8000"/>
             </a:lvl9pPr>
           </a:lstStyle>
-          <a:p/>
+          <a:p>
+            <a:endParaRPr/>
+          </a:p>
         </p:txBody>
       </p:sp>
       <p:sp>
         <p:nvSpPr>
           <p:cNvPr id="12" name="Shape 12"/>
-          <p:cNvSpPr txBox="1"/>
+          <p:cNvSpPr txBox="1">
+            <a:spLocks noGrp="1"/>
+          </p:cNvSpPr>
           <p:nvPr>
-            <p:ph idx="1" type="subTitle"/>
+            <p:ph type="subTitle" idx="1"/>
           </p:nvPr>
         </p:nvSpPr>
         <p:spPr>
@@ -834,7 +969,7 @@
           </a:prstGeom>
         </p:spPr>
         <p:txBody>
-          <a:bodyPr anchorCtr="0" anchor="ctr" bIns="91425" lIns="91425" rIns="91425" tIns="91425"/>
+          <a:bodyPr lIns="91425" tIns="91425" rIns="91425" bIns="91425" anchor="ctr" anchorCtr="0"/>
           <a:lstStyle>
             <a:lvl1pPr lvl="0" algn="ctr">
               <a:lnSpc>
@@ -851,7 +986,7 @@
               </a:buClr>
               <a:buSzPct val="100000"/>
               <a:buNone/>
-              <a:defRPr b="1" sz="2100">
+              <a:defRPr sz="2100" b="1">
                 <a:solidFill>
                   <a:schemeClr val="accent1"/>
                 </a:solidFill>
@@ -872,7 +1007,7 @@
               </a:buClr>
               <a:buSzPct val="100000"/>
               <a:buNone/>
-              <a:defRPr b="1" sz="2100">
+              <a:defRPr sz="2100" b="1">
                 <a:solidFill>
                   <a:schemeClr val="accent1"/>
                 </a:solidFill>
@@ -893,7 +1028,7 @@
               </a:buClr>
               <a:buSzPct val="100000"/>
               <a:buNone/>
-              <a:defRPr b="1" sz="2100">
+              <a:defRPr sz="2100" b="1">
                 <a:solidFill>
                   <a:schemeClr val="accent1"/>
                 </a:solidFill>
@@ -914,7 +1049,7 @@
               </a:buClr>
               <a:buSzPct val="100000"/>
               <a:buNone/>
-              <a:defRPr b="1" sz="2100">
+              <a:defRPr sz="2100" b="1">
                 <a:solidFill>
                   <a:schemeClr val="accent1"/>
                 </a:solidFill>
@@ -935,7 +1070,7 @@
               </a:buClr>
               <a:buSzPct val="100000"/>
               <a:buNone/>
-              <a:defRPr b="1" sz="2100">
+              <a:defRPr sz="2100" b="1">
                 <a:solidFill>
                   <a:schemeClr val="accent1"/>
                 </a:solidFill>
@@ -956,7 +1091,7 @@
               </a:buClr>
               <a:buSzPct val="100000"/>
               <a:buNone/>
-              <a:defRPr b="1" sz="2100">
+              <a:defRPr sz="2100" b="1">
                 <a:solidFill>
                   <a:schemeClr val="accent1"/>
                 </a:solidFill>
@@ -977,7 +1112,7 @@
               </a:buClr>
               <a:buSzPct val="100000"/>
               <a:buNone/>
-              <a:defRPr b="1" sz="2100">
+              <a:defRPr sz="2100" b="1">
                 <a:solidFill>
                   <a:schemeClr val="accent1"/>
                 </a:solidFill>
@@ -998,7 +1133,7 @@
               </a:buClr>
               <a:buSzPct val="100000"/>
               <a:buNone/>
-              <a:defRPr b="1" sz="2100">
+              <a:defRPr sz="2100" b="1">
                 <a:solidFill>
                   <a:schemeClr val="accent1"/>
                 </a:solidFill>
@@ -1019,22 +1154,26 @@
               </a:buClr>
               <a:buSzPct val="100000"/>
               <a:buNone/>
-              <a:defRPr b="1" sz="2100">
+              <a:defRPr sz="2100" b="1">
                 <a:solidFill>
                   <a:schemeClr val="accent1"/>
                 </a:solidFill>
               </a:defRPr>
             </a:lvl9pPr>
           </a:lstStyle>
-          <a:p/>
+          <a:p>
+            <a:endParaRPr/>
+          </a:p>
         </p:txBody>
       </p:sp>
       <p:sp>
         <p:nvSpPr>
           <p:cNvPr id="13" name="Shape 13"/>
-          <p:cNvSpPr txBox="1"/>
+          <p:cNvSpPr txBox="1">
+            <a:spLocks noGrp="1"/>
+          </p:cNvSpPr>
           <p:nvPr>
-            <p:ph idx="12" type="sldNum"/>
+            <p:ph type="sldNum" idx="12"/>
           </p:nvPr>
         </p:nvSpPr>
         <p:spPr>
@@ -1047,7 +1186,7 @@
           </a:prstGeom>
         </p:spPr>
         <p:txBody>
-          <a:bodyPr anchorCtr="0" anchor="ctr" bIns="91425" lIns="91425" rIns="91425" tIns="91425">
+          <a:bodyPr lIns="91425" tIns="91425" rIns="91425" bIns="91425" anchor="ctr" anchorCtr="0">
             <a:noAutofit/>
           </a:bodyPr>
           <a:lstStyle/>
@@ -1062,6 +1201,7 @@
               <a:rPr lang="en"/>
               <a:t>‹#›</a:t>
             </a:fld>
+            <a:endParaRPr lang="en"/>
           </a:p>
         </p:txBody>
       </p:sp>
@@ -1074,11 +1214,11 @@
 </file>
 
 <file path=ppt/slideLayouts/slideLayout10.xml><?xml version="1.0" encoding="utf-8"?>
-<p:sldLayout xmlns:a="http://schemas.openxmlformats.org/drawingml/2006/main" xmlns:r="http://schemas.openxmlformats.org/officeDocument/2006/relationships" xmlns:mc="http://schemas.openxmlformats.org/markup-compatibility/2006" xmlns:mv="urn:schemas-microsoft-com:mac:vml" xmlns:p="http://schemas.openxmlformats.org/presentationml/2006/main" xmlns:c="http://schemas.openxmlformats.org/drawingml/2006/chart" xmlns:dgm="http://schemas.openxmlformats.org/drawingml/2006/diagram" xmlns:o="urn:schemas-microsoft-com:office:office" xmlns:v="urn:schemas-microsoft-com:vml" xmlns:pvml="urn:schemas-microsoft-com:office:powerpoint" xmlns:com="http://schemas.openxmlformats.org/drawingml/2006/compatibility" xmlns:p14="http://schemas.microsoft.com/office/powerpoint/2010/main">
+<p:sldLayout xmlns:a="http://schemas.openxmlformats.org/drawingml/2006/main" xmlns:r="http://schemas.openxmlformats.org/officeDocument/2006/relationships" xmlns:p="http://schemas.openxmlformats.org/presentationml/2006/main">
   <p:cSld name="Big number">
     <p:spTree>
       <p:nvGrpSpPr>
-        <p:cNvPr id="47" name="Shape 47"/>
+        <p:cNvPr id="1" name="Shape 47"/>
         <p:cNvGrpSpPr/>
         <p:nvPr/>
       </p:nvGrpSpPr>
@@ -1093,7 +1233,9 @@
       <p:sp>
         <p:nvSpPr>
           <p:cNvPr id="48" name="Shape 48"/>
-          <p:cNvSpPr txBox="1"/>
+          <p:cNvSpPr txBox="1">
+            <a:spLocks noGrp="1"/>
+          </p:cNvSpPr>
           <p:nvPr>
             <p:ph type="title"/>
           </p:nvPr>
@@ -1108,7 +1250,7 @@
           </a:prstGeom>
         </p:spPr>
         <p:txBody>
-          <a:bodyPr anchorCtr="0" anchor="b" bIns="91425" lIns="91425" rIns="91425" tIns="91425"/>
+          <a:bodyPr lIns="91425" tIns="91425" rIns="91425" bIns="91425" anchor="b" anchorCtr="0"/>
           <a:lstStyle>
             <a:lvl1pPr lvl="0" algn="ctr">
               <a:spcBef>
@@ -1237,15 +1379,19 @@
               </a:defRPr>
             </a:lvl9pPr>
           </a:lstStyle>
-          <a:p/>
+          <a:p>
+            <a:endParaRPr/>
+          </a:p>
         </p:txBody>
       </p:sp>
       <p:sp>
         <p:nvSpPr>
           <p:cNvPr id="49" name="Shape 49"/>
-          <p:cNvSpPr txBox="1"/>
+          <p:cNvSpPr txBox="1">
+            <a:spLocks noGrp="1"/>
+          </p:cNvSpPr>
           <p:nvPr>
-            <p:ph idx="1" type="body"/>
+            <p:ph type="body" idx="1"/>
           </p:nvPr>
         </p:nvSpPr>
         <p:spPr>
@@ -1258,7 +1404,7 @@
           </a:prstGeom>
         </p:spPr>
         <p:txBody>
-          <a:bodyPr anchorCtr="0" anchor="t" bIns="91425" lIns="91425" rIns="91425" tIns="91425"/>
+          <a:bodyPr lIns="91425" tIns="91425" rIns="91425" bIns="91425" anchor="t" anchorCtr="0"/>
           <a:lstStyle>
             <a:lvl1pPr lvl="0" algn="ctr">
               <a:spcBef>
@@ -1378,15 +1524,19 @@
               </a:defRPr>
             </a:lvl9pPr>
           </a:lstStyle>
-          <a:p/>
+          <a:p>
+            <a:endParaRPr/>
+          </a:p>
         </p:txBody>
       </p:sp>
       <p:sp>
         <p:nvSpPr>
           <p:cNvPr id="50" name="Shape 50"/>
-          <p:cNvSpPr txBox="1"/>
+          <p:cNvSpPr txBox="1">
+            <a:spLocks noGrp="1"/>
+          </p:cNvSpPr>
           <p:nvPr>
-            <p:ph idx="12" type="sldNum"/>
+            <p:ph type="sldNum" idx="12"/>
           </p:nvPr>
         </p:nvSpPr>
         <p:spPr>
@@ -1399,7 +1549,7 @@
           </a:prstGeom>
         </p:spPr>
         <p:txBody>
-          <a:bodyPr anchorCtr="0" anchor="ctr" bIns="91425" lIns="91425" rIns="91425" tIns="91425">
+          <a:bodyPr lIns="91425" tIns="91425" rIns="91425" bIns="91425" anchor="ctr" anchorCtr="0">
             <a:noAutofit/>
           </a:bodyPr>
           <a:lstStyle/>
@@ -1414,6 +1564,7 @@
               <a:rPr lang="en"/>
               <a:t>‹#›</a:t>
             </a:fld>
+            <a:endParaRPr lang="en"/>
           </a:p>
         </p:txBody>
       </p:sp>
@@ -1426,11 +1577,11 @@
 </file>
 
 <file path=ppt/slideLayouts/slideLayout11.xml><?xml version="1.0" encoding="utf-8"?>
-<p:sldLayout xmlns:a="http://schemas.openxmlformats.org/drawingml/2006/main" xmlns:r="http://schemas.openxmlformats.org/officeDocument/2006/relationships" xmlns:mc="http://schemas.openxmlformats.org/markup-compatibility/2006" xmlns:mv="urn:schemas-microsoft-com:mac:vml" xmlns:p="http://schemas.openxmlformats.org/presentationml/2006/main" xmlns:c="http://schemas.openxmlformats.org/drawingml/2006/chart" xmlns:dgm="http://schemas.openxmlformats.org/drawingml/2006/diagram" xmlns:o="urn:schemas-microsoft-com:office:office" xmlns:v="urn:schemas-microsoft-com:vml" xmlns:pvml="urn:schemas-microsoft-com:office:powerpoint" xmlns:com="http://schemas.openxmlformats.org/drawingml/2006/compatibility" xmlns:p14="http://schemas.microsoft.com/office/powerpoint/2010/main" type="blank">
+<p:sldLayout xmlns:a="http://schemas.openxmlformats.org/drawingml/2006/main" xmlns:r="http://schemas.openxmlformats.org/officeDocument/2006/relationships" xmlns:p="http://schemas.openxmlformats.org/presentationml/2006/main" type="blank">
   <p:cSld name="Blank">
     <p:spTree>
       <p:nvGrpSpPr>
-        <p:cNvPr id="51" name="Shape 51"/>
+        <p:cNvPr id="1" name="Shape 51"/>
         <p:cNvGrpSpPr/>
         <p:nvPr/>
       </p:nvGrpSpPr>
@@ -1445,9 +1596,11 @@
       <p:sp>
         <p:nvSpPr>
           <p:cNvPr id="52" name="Shape 52"/>
-          <p:cNvSpPr txBox="1"/>
+          <p:cNvSpPr txBox="1">
+            <a:spLocks noGrp="1"/>
+          </p:cNvSpPr>
           <p:nvPr>
-            <p:ph idx="12" type="sldNum"/>
+            <p:ph type="sldNum" idx="12"/>
           </p:nvPr>
         </p:nvSpPr>
         <p:spPr>
@@ -1460,7 +1613,7 @@
           </a:prstGeom>
         </p:spPr>
         <p:txBody>
-          <a:bodyPr anchorCtr="0" anchor="ctr" bIns="91425" lIns="91425" rIns="91425" tIns="91425">
+          <a:bodyPr lIns="91425" tIns="91425" rIns="91425" bIns="91425" anchor="ctr" anchorCtr="0">
             <a:noAutofit/>
           </a:bodyPr>
           <a:lstStyle/>
@@ -1475,6 +1628,7 @@
               <a:rPr lang="en"/>
               <a:t>‹#›</a:t>
             </a:fld>
+            <a:endParaRPr lang="en"/>
           </a:p>
         </p:txBody>
       </p:sp>
@@ -1487,18 +1641,19 @@
 </file>
 
 <file path=ppt/slideLayouts/slideLayout2.xml><?xml version="1.0" encoding="utf-8"?>
-<p:sldLayout xmlns:a="http://schemas.openxmlformats.org/drawingml/2006/main" xmlns:r="http://schemas.openxmlformats.org/officeDocument/2006/relationships" xmlns:mc="http://schemas.openxmlformats.org/markup-compatibility/2006" xmlns:mv="urn:schemas-microsoft-com:mac:vml" xmlns:p="http://schemas.openxmlformats.org/presentationml/2006/main" xmlns:c="http://schemas.openxmlformats.org/drawingml/2006/chart" xmlns:dgm="http://schemas.openxmlformats.org/drawingml/2006/diagram" xmlns:o="urn:schemas-microsoft-com:office:office" xmlns:v="urn:schemas-microsoft-com:vml" xmlns:pvml="urn:schemas-microsoft-com:office:powerpoint" xmlns:com="http://schemas.openxmlformats.org/drawingml/2006/compatibility" xmlns:p14="http://schemas.microsoft.com/office/powerpoint/2010/main" type="secHead">
+<p:sldLayout xmlns:a="http://schemas.openxmlformats.org/drawingml/2006/main" xmlns:r="http://schemas.openxmlformats.org/officeDocument/2006/relationships" xmlns:p="http://schemas.openxmlformats.org/presentationml/2006/main" type="secHead">
   <p:cSld name="Section header">
     <p:bg>
       <p:bgPr>
         <a:solidFill>
           <a:schemeClr val="dk1"/>
         </a:solidFill>
+        <a:effectLst/>
       </p:bgPr>
     </p:bg>
     <p:spTree>
       <p:nvGrpSpPr>
-        <p:cNvPr id="14" name="Shape 14"/>
+        <p:cNvPr id="1" name="Shape 14"/>
         <p:cNvGrpSpPr/>
         <p:nvPr/>
       </p:nvGrpSpPr>
@@ -1513,7 +1668,9 @@
       <p:sp>
         <p:nvSpPr>
           <p:cNvPr id="15" name="Shape 15"/>
-          <p:cNvSpPr txBox="1"/>
+          <p:cNvSpPr txBox="1">
+            <a:spLocks noGrp="1"/>
+          </p:cNvSpPr>
           <p:nvPr>
             <p:ph type="title"/>
           </p:nvPr>
@@ -1531,7 +1688,7 @@
           </a:solidFill>
         </p:spPr>
         <p:txBody>
-          <a:bodyPr anchorCtr="0" anchor="ctr" bIns="91425" lIns="91425" rIns="91425" tIns="91425"/>
+          <a:bodyPr lIns="91425" tIns="91425" rIns="91425" bIns="91425" anchor="ctr" anchorCtr="0"/>
           <a:lstStyle>
             <a:lvl1pPr lvl="0" algn="ctr">
               <a:spcBef>
@@ -1597,15 +1754,19 @@
               <a:defRPr sz="4800"/>
             </a:lvl9pPr>
           </a:lstStyle>
-          <a:p/>
+          <a:p>
+            <a:endParaRPr/>
+          </a:p>
         </p:txBody>
       </p:sp>
       <p:sp>
         <p:nvSpPr>
           <p:cNvPr id="16" name="Shape 16"/>
-          <p:cNvSpPr txBox="1"/>
+          <p:cNvSpPr txBox="1">
+            <a:spLocks noGrp="1"/>
+          </p:cNvSpPr>
           <p:nvPr>
-            <p:ph idx="12" type="sldNum"/>
+            <p:ph type="sldNum" idx="12"/>
           </p:nvPr>
         </p:nvSpPr>
         <p:spPr>
@@ -1618,7 +1779,7 @@
           </a:prstGeom>
         </p:spPr>
         <p:txBody>
-          <a:bodyPr anchorCtr="0" anchor="ctr" bIns="91425" lIns="91425" rIns="91425" tIns="91425">
+          <a:bodyPr lIns="91425" tIns="91425" rIns="91425" bIns="91425" anchor="ctr" anchorCtr="0">
             <a:noAutofit/>
           </a:bodyPr>
           <a:lstStyle/>
@@ -1633,6 +1794,7 @@
               <a:rPr lang="en"/>
               <a:t>‹#›</a:t>
             </a:fld>
+            <a:endParaRPr lang="en"/>
           </a:p>
         </p:txBody>
       </p:sp>
@@ -1645,11 +1807,11 @@
 </file>
 
 <file path=ppt/slideLayouts/slideLayout3.xml><?xml version="1.0" encoding="utf-8"?>
-<p:sldLayout xmlns:a="http://schemas.openxmlformats.org/drawingml/2006/main" xmlns:r="http://schemas.openxmlformats.org/officeDocument/2006/relationships" xmlns:mc="http://schemas.openxmlformats.org/markup-compatibility/2006" xmlns:mv="urn:schemas-microsoft-com:mac:vml" xmlns:p="http://schemas.openxmlformats.org/presentationml/2006/main" xmlns:c="http://schemas.openxmlformats.org/drawingml/2006/chart" xmlns:dgm="http://schemas.openxmlformats.org/drawingml/2006/diagram" xmlns:o="urn:schemas-microsoft-com:office:office" xmlns:v="urn:schemas-microsoft-com:vml" xmlns:pvml="urn:schemas-microsoft-com:office:powerpoint" xmlns:com="http://schemas.openxmlformats.org/drawingml/2006/compatibility" xmlns:p14="http://schemas.microsoft.com/office/powerpoint/2010/main" type="tx">
+<p:sldLayout xmlns:a="http://schemas.openxmlformats.org/drawingml/2006/main" xmlns:r="http://schemas.openxmlformats.org/officeDocument/2006/relationships" xmlns:p="http://schemas.openxmlformats.org/presentationml/2006/main" type="tx">
   <p:cSld name="Title and body">
     <p:spTree>
       <p:nvGrpSpPr>
-        <p:cNvPr id="17" name="Shape 17"/>
+        <p:cNvPr id="1" name="Shape 17"/>
         <p:cNvGrpSpPr/>
         <p:nvPr/>
       </p:nvGrpSpPr>
@@ -1664,7 +1826,9 @@
       <p:sp>
         <p:nvSpPr>
           <p:cNvPr id="18" name="Shape 18"/>
-          <p:cNvSpPr txBox="1"/>
+          <p:cNvSpPr txBox="1">
+            <a:spLocks noGrp="1"/>
+          </p:cNvSpPr>
           <p:nvPr>
             <p:ph type="title"/>
           </p:nvPr>
@@ -1679,7 +1843,7 @@
           </a:prstGeom>
         </p:spPr>
         <p:txBody>
-          <a:bodyPr anchorCtr="0" anchor="t" bIns="91425" lIns="91425" rIns="91425" tIns="91425"/>
+          <a:bodyPr lIns="91425" tIns="91425" rIns="91425" bIns="91425" anchor="t" anchorCtr="0"/>
           <a:lstStyle>
             <a:lvl1pPr lvl="0">
               <a:spcBef>
@@ -1736,15 +1900,19 @@
               <a:defRPr/>
             </a:lvl9pPr>
           </a:lstStyle>
-          <a:p/>
+          <a:p>
+            <a:endParaRPr/>
+          </a:p>
         </p:txBody>
       </p:sp>
       <p:sp>
         <p:nvSpPr>
           <p:cNvPr id="19" name="Shape 19"/>
-          <p:cNvSpPr txBox="1"/>
+          <p:cNvSpPr txBox="1">
+            <a:spLocks noGrp="1"/>
+          </p:cNvSpPr>
           <p:nvPr>
-            <p:ph idx="1" type="body"/>
+            <p:ph type="body" idx="1"/>
           </p:nvPr>
         </p:nvSpPr>
         <p:spPr>
@@ -1757,7 +1925,7 @@
           </a:prstGeom>
         </p:spPr>
         <p:txBody>
-          <a:bodyPr anchorCtr="0" anchor="t" bIns="91425" lIns="91425" rIns="91425" tIns="91425"/>
+          <a:bodyPr lIns="91425" tIns="91425" rIns="91425" bIns="91425" anchor="t" anchorCtr="0"/>
           <a:lstStyle>
             <a:lvl1pPr lvl="0">
               <a:spcBef>
@@ -1814,15 +1982,19 @@
               <a:defRPr/>
             </a:lvl9pPr>
           </a:lstStyle>
-          <a:p/>
+          <a:p>
+            <a:endParaRPr/>
+          </a:p>
         </p:txBody>
       </p:sp>
       <p:sp>
         <p:nvSpPr>
           <p:cNvPr id="20" name="Shape 20"/>
-          <p:cNvSpPr txBox="1"/>
+          <p:cNvSpPr txBox="1">
+            <a:spLocks noGrp="1"/>
+          </p:cNvSpPr>
           <p:nvPr>
-            <p:ph idx="12" type="sldNum"/>
+            <p:ph type="sldNum" idx="12"/>
           </p:nvPr>
         </p:nvSpPr>
         <p:spPr>
@@ -1835,7 +2007,7 @@
           </a:prstGeom>
         </p:spPr>
         <p:txBody>
-          <a:bodyPr anchorCtr="0" anchor="ctr" bIns="91425" lIns="91425" rIns="91425" tIns="91425">
+          <a:bodyPr lIns="91425" tIns="91425" rIns="91425" bIns="91425" anchor="ctr" anchorCtr="0">
             <a:noAutofit/>
           </a:bodyPr>
           <a:lstStyle/>
@@ -1850,6 +2022,7 @@
               <a:rPr lang="en"/>
               <a:t>‹#›</a:t>
             </a:fld>
+            <a:endParaRPr lang="en"/>
           </a:p>
         </p:txBody>
       </p:sp>
@@ -1866,24 +2039,24 @@
           </a:xfrm>
           <a:prstGeom prst="roundRect">
             <a:avLst>
-              <a:gd fmla="val 16667" name="adj"/>
+              <a:gd name="adj" fmla="val 16667"/>
             </a:avLst>
           </a:prstGeom>
           <a:solidFill>
             <a:schemeClr val="accent6"/>
           </a:solidFill>
-          <a:ln cap="flat" cmpd="sng" w="9525">
+          <a:ln w="9525" cap="flat" cmpd="sng">
             <a:solidFill>
               <a:srgbClr val="000000"/>
             </a:solidFill>
             <a:prstDash val="solid"/>
             <a:round/>
-            <a:headEnd len="med" w="med" type="none"/>
-            <a:tailEnd len="med" w="med" type="none"/>
+            <a:headEnd type="none" w="med" len="med"/>
+            <a:tailEnd type="none" w="med" len="med"/>
           </a:ln>
         </p:spPr>
         <p:txBody>
-          <a:bodyPr anchorCtr="0" anchor="ctr" bIns="91425" lIns="91425" rIns="91425" tIns="91425">
+          <a:bodyPr lIns="91425" tIns="91425" rIns="91425" bIns="91425" anchor="ctr" anchorCtr="0">
             <a:noAutofit/>
           </a:bodyPr>
           <a:lstStyle/>
@@ -1894,9 +2067,6 @@
               </a:spcBef>
               <a:buNone/>
             </a:pPr>
-            <a:r>
-              <a:t/>
-            </a:r>
             <a:endParaRPr/>
           </a:p>
         </p:txBody>
@@ -1910,11 +2080,11 @@
 </file>
 
 <file path=ppt/slideLayouts/slideLayout4.xml><?xml version="1.0" encoding="utf-8"?>
-<p:sldLayout xmlns:a="http://schemas.openxmlformats.org/drawingml/2006/main" xmlns:r="http://schemas.openxmlformats.org/officeDocument/2006/relationships" xmlns:mc="http://schemas.openxmlformats.org/markup-compatibility/2006" xmlns:mv="urn:schemas-microsoft-com:mac:vml" xmlns:p="http://schemas.openxmlformats.org/presentationml/2006/main" xmlns:c="http://schemas.openxmlformats.org/drawingml/2006/chart" xmlns:dgm="http://schemas.openxmlformats.org/drawingml/2006/diagram" xmlns:o="urn:schemas-microsoft-com:office:office" xmlns:v="urn:schemas-microsoft-com:vml" xmlns:pvml="urn:schemas-microsoft-com:office:powerpoint" xmlns:com="http://schemas.openxmlformats.org/drawingml/2006/compatibility" xmlns:p14="http://schemas.microsoft.com/office/powerpoint/2010/main" type="twoColTx">
+<p:sldLayout xmlns:a="http://schemas.openxmlformats.org/drawingml/2006/main" xmlns:r="http://schemas.openxmlformats.org/officeDocument/2006/relationships" xmlns:p="http://schemas.openxmlformats.org/presentationml/2006/main" type="twoColTx">
   <p:cSld name="Title and two columns">
     <p:spTree>
       <p:nvGrpSpPr>
-        <p:cNvPr id="22" name="Shape 22"/>
+        <p:cNvPr id="1" name="Shape 22"/>
         <p:cNvGrpSpPr/>
         <p:nvPr/>
       </p:nvGrpSpPr>
@@ -1929,7 +2099,9 @@
       <p:sp>
         <p:nvSpPr>
           <p:cNvPr id="23" name="Shape 23"/>
-          <p:cNvSpPr txBox="1"/>
+          <p:cNvSpPr txBox="1">
+            <a:spLocks noGrp="1"/>
+          </p:cNvSpPr>
           <p:nvPr>
             <p:ph type="title"/>
           </p:nvPr>
@@ -1944,7 +2116,7 @@
           </a:prstGeom>
         </p:spPr>
         <p:txBody>
-          <a:bodyPr anchorCtr="0" anchor="t" bIns="91425" lIns="91425" rIns="91425" tIns="91425"/>
+          <a:bodyPr lIns="91425" tIns="91425" rIns="91425" bIns="91425" anchor="t" anchorCtr="0"/>
           <a:lstStyle>
             <a:lvl1pPr lvl="0">
               <a:spcBef>
@@ -2001,15 +2173,19 @@
               <a:defRPr/>
             </a:lvl9pPr>
           </a:lstStyle>
-          <a:p/>
+          <a:p>
+            <a:endParaRPr/>
+          </a:p>
         </p:txBody>
       </p:sp>
       <p:sp>
         <p:nvSpPr>
           <p:cNvPr id="24" name="Shape 24"/>
-          <p:cNvSpPr txBox="1"/>
+          <p:cNvSpPr txBox="1">
+            <a:spLocks noGrp="1"/>
+          </p:cNvSpPr>
           <p:nvPr>
-            <p:ph idx="1" type="body"/>
+            <p:ph type="body" idx="1"/>
           </p:nvPr>
         </p:nvSpPr>
         <p:spPr>
@@ -2022,7 +2198,7 @@
           </a:prstGeom>
         </p:spPr>
         <p:txBody>
-          <a:bodyPr anchorCtr="0" anchor="t" bIns="91425" lIns="91425" rIns="91425" tIns="91425"/>
+          <a:bodyPr lIns="91425" tIns="91425" rIns="91425" bIns="91425" anchor="t" anchorCtr="0"/>
           <a:lstStyle>
             <a:lvl1pPr lvl="0">
               <a:spcBef>
@@ -2088,15 +2264,19 @@
               <a:defRPr sz="1200"/>
             </a:lvl9pPr>
           </a:lstStyle>
-          <a:p/>
+          <a:p>
+            <a:endParaRPr/>
+          </a:p>
         </p:txBody>
       </p:sp>
       <p:sp>
         <p:nvSpPr>
           <p:cNvPr id="25" name="Shape 25"/>
-          <p:cNvSpPr txBox="1"/>
+          <p:cNvSpPr txBox="1">
+            <a:spLocks noGrp="1"/>
+          </p:cNvSpPr>
           <p:nvPr>
-            <p:ph idx="2" type="body"/>
+            <p:ph type="body" idx="2"/>
           </p:nvPr>
         </p:nvSpPr>
         <p:spPr>
@@ -2109,7 +2289,7 @@
           </a:prstGeom>
         </p:spPr>
         <p:txBody>
-          <a:bodyPr anchorCtr="0" anchor="t" bIns="91425" lIns="91425" rIns="91425" tIns="91425"/>
+          <a:bodyPr lIns="91425" tIns="91425" rIns="91425" bIns="91425" anchor="t" anchorCtr="0"/>
           <a:lstStyle>
             <a:lvl1pPr lvl="0">
               <a:spcBef>
@@ -2175,15 +2355,19 @@
               <a:defRPr sz="1200"/>
             </a:lvl9pPr>
           </a:lstStyle>
-          <a:p/>
+          <a:p>
+            <a:endParaRPr/>
+          </a:p>
         </p:txBody>
       </p:sp>
       <p:sp>
         <p:nvSpPr>
           <p:cNvPr id="26" name="Shape 26"/>
-          <p:cNvSpPr txBox="1"/>
+          <p:cNvSpPr txBox="1">
+            <a:spLocks noGrp="1"/>
+          </p:cNvSpPr>
           <p:nvPr>
-            <p:ph idx="12" type="sldNum"/>
+            <p:ph type="sldNum" idx="12"/>
           </p:nvPr>
         </p:nvSpPr>
         <p:spPr>
@@ -2196,7 +2380,7 @@
           </a:prstGeom>
         </p:spPr>
         <p:txBody>
-          <a:bodyPr anchorCtr="0" anchor="ctr" bIns="91425" lIns="91425" rIns="91425" tIns="91425">
+          <a:bodyPr lIns="91425" tIns="91425" rIns="91425" bIns="91425" anchor="ctr" anchorCtr="0">
             <a:noAutofit/>
           </a:bodyPr>
           <a:lstStyle/>
@@ -2211,6 +2395,7 @@
               <a:rPr lang="en"/>
               <a:t>‹#›</a:t>
             </a:fld>
+            <a:endParaRPr lang="en"/>
           </a:p>
         </p:txBody>
       </p:sp>
@@ -2223,11 +2408,11 @@
 </file>
 
 <file path=ppt/slideLayouts/slideLayout5.xml><?xml version="1.0" encoding="utf-8"?>
-<p:sldLayout xmlns:a="http://schemas.openxmlformats.org/drawingml/2006/main" xmlns:r="http://schemas.openxmlformats.org/officeDocument/2006/relationships" xmlns:mc="http://schemas.openxmlformats.org/markup-compatibility/2006" xmlns:mv="urn:schemas-microsoft-com:mac:vml" xmlns:p="http://schemas.openxmlformats.org/presentationml/2006/main" xmlns:c="http://schemas.openxmlformats.org/drawingml/2006/chart" xmlns:dgm="http://schemas.openxmlformats.org/drawingml/2006/diagram" xmlns:o="urn:schemas-microsoft-com:office:office" xmlns:v="urn:schemas-microsoft-com:vml" xmlns:pvml="urn:schemas-microsoft-com:office:powerpoint" xmlns:com="http://schemas.openxmlformats.org/drawingml/2006/compatibility" xmlns:p14="http://schemas.microsoft.com/office/powerpoint/2010/main" type="titleOnly">
+<p:sldLayout xmlns:a="http://schemas.openxmlformats.org/drawingml/2006/main" xmlns:r="http://schemas.openxmlformats.org/officeDocument/2006/relationships" xmlns:p="http://schemas.openxmlformats.org/presentationml/2006/main" type="titleOnly">
   <p:cSld name="Title only">
     <p:spTree>
       <p:nvGrpSpPr>
-        <p:cNvPr id="27" name="Shape 27"/>
+        <p:cNvPr id="1" name="Shape 27"/>
         <p:cNvGrpSpPr/>
         <p:nvPr/>
       </p:nvGrpSpPr>
@@ -2242,7 +2427,9 @@
       <p:sp>
         <p:nvSpPr>
           <p:cNvPr id="28" name="Shape 28"/>
-          <p:cNvSpPr txBox="1"/>
+          <p:cNvSpPr txBox="1">
+            <a:spLocks noGrp="1"/>
+          </p:cNvSpPr>
           <p:nvPr>
             <p:ph type="title"/>
           </p:nvPr>
@@ -2257,7 +2444,7 @@
           </a:prstGeom>
         </p:spPr>
         <p:txBody>
-          <a:bodyPr anchorCtr="0" anchor="t" bIns="91425" lIns="91425" rIns="91425" tIns="91425"/>
+          <a:bodyPr lIns="91425" tIns="91425" rIns="91425" bIns="91425" anchor="t" anchorCtr="0"/>
           <a:lstStyle>
             <a:lvl1pPr lvl="0">
               <a:spcBef>
@@ -2323,15 +2510,19 @@
               <a:defRPr sz="4000"/>
             </a:lvl9pPr>
           </a:lstStyle>
-          <a:p/>
+          <a:p>
+            <a:endParaRPr/>
+          </a:p>
         </p:txBody>
       </p:sp>
       <p:sp>
         <p:nvSpPr>
           <p:cNvPr id="29" name="Shape 29"/>
-          <p:cNvSpPr txBox="1"/>
+          <p:cNvSpPr txBox="1">
+            <a:spLocks noGrp="1"/>
+          </p:cNvSpPr>
           <p:nvPr>
-            <p:ph idx="12" type="sldNum"/>
+            <p:ph type="sldNum" idx="12"/>
           </p:nvPr>
         </p:nvSpPr>
         <p:spPr>
@@ -2344,7 +2535,7 @@
           </a:prstGeom>
         </p:spPr>
         <p:txBody>
-          <a:bodyPr anchorCtr="0" anchor="ctr" bIns="91425" lIns="91425" rIns="91425" tIns="91425">
+          <a:bodyPr lIns="91425" tIns="91425" rIns="91425" bIns="91425" anchor="ctr" anchorCtr="0">
             <a:noAutofit/>
           </a:bodyPr>
           <a:lstStyle/>
@@ -2359,6 +2550,7 @@
               <a:rPr lang="en"/>
               <a:t>‹#›</a:t>
             </a:fld>
+            <a:endParaRPr lang="en"/>
           </a:p>
         </p:txBody>
       </p:sp>
@@ -2371,11 +2563,11 @@
 </file>
 
 <file path=ppt/slideLayouts/slideLayout6.xml><?xml version="1.0" encoding="utf-8"?>
-<p:sldLayout xmlns:a="http://schemas.openxmlformats.org/drawingml/2006/main" xmlns:r="http://schemas.openxmlformats.org/officeDocument/2006/relationships" xmlns:mc="http://schemas.openxmlformats.org/markup-compatibility/2006" xmlns:mv="urn:schemas-microsoft-com:mac:vml" xmlns:p="http://schemas.openxmlformats.org/presentationml/2006/main" xmlns:c="http://schemas.openxmlformats.org/drawingml/2006/chart" xmlns:dgm="http://schemas.openxmlformats.org/drawingml/2006/diagram" xmlns:o="urn:schemas-microsoft-com:office:office" xmlns:v="urn:schemas-microsoft-com:vml" xmlns:pvml="urn:schemas-microsoft-com:office:powerpoint" xmlns:com="http://schemas.openxmlformats.org/drawingml/2006/compatibility" xmlns:p14="http://schemas.microsoft.com/office/powerpoint/2010/main">
+<p:sldLayout xmlns:a="http://schemas.openxmlformats.org/drawingml/2006/main" xmlns:r="http://schemas.openxmlformats.org/officeDocument/2006/relationships" xmlns:p="http://schemas.openxmlformats.org/presentationml/2006/main">
   <p:cSld name="One column text">
     <p:spTree>
       <p:nvGrpSpPr>
-        <p:cNvPr id="30" name="Shape 30"/>
+        <p:cNvPr id="1" name="Shape 30"/>
         <p:cNvGrpSpPr/>
         <p:nvPr/>
       </p:nvGrpSpPr>
@@ -2390,7 +2582,9 @@
       <p:sp>
         <p:nvSpPr>
           <p:cNvPr id="31" name="Shape 31"/>
-          <p:cNvSpPr txBox="1"/>
+          <p:cNvSpPr txBox="1">
+            <a:spLocks noGrp="1"/>
+          </p:cNvSpPr>
           <p:nvPr>
             <p:ph type="title"/>
           </p:nvPr>
@@ -2405,7 +2599,7 @@
           </a:prstGeom>
         </p:spPr>
         <p:txBody>
-          <a:bodyPr anchorCtr="0" anchor="b" bIns="91425" lIns="91425" rIns="91425" tIns="91425"/>
+          <a:bodyPr lIns="91425" tIns="91425" rIns="91425" bIns="91425" anchor="b" anchorCtr="0"/>
           <a:lstStyle>
             <a:lvl1pPr lvl="0">
               <a:spcBef>
@@ -2471,15 +2665,19 @@
               <a:defRPr sz="3000"/>
             </a:lvl9pPr>
           </a:lstStyle>
-          <a:p/>
+          <a:p>
+            <a:endParaRPr/>
+          </a:p>
         </p:txBody>
       </p:sp>
       <p:sp>
         <p:nvSpPr>
           <p:cNvPr id="32" name="Shape 32"/>
-          <p:cNvSpPr txBox="1"/>
+          <p:cNvSpPr txBox="1">
+            <a:spLocks noGrp="1"/>
+          </p:cNvSpPr>
           <p:nvPr>
-            <p:ph idx="1" type="body"/>
+            <p:ph type="body" idx="1"/>
           </p:nvPr>
         </p:nvSpPr>
         <p:spPr>
@@ -2492,7 +2690,7 @@
           </a:prstGeom>
         </p:spPr>
         <p:txBody>
-          <a:bodyPr anchorCtr="0" anchor="t" bIns="91425" lIns="91425" rIns="91425" tIns="91425"/>
+          <a:bodyPr lIns="91425" tIns="91425" rIns="91425" bIns="91425" anchor="t" anchorCtr="0"/>
           <a:lstStyle>
             <a:lvl1pPr lvl="0">
               <a:spcBef>
@@ -2558,15 +2756,19 @@
               <a:defRPr sz="1200"/>
             </a:lvl9pPr>
           </a:lstStyle>
-          <a:p/>
+          <a:p>
+            <a:endParaRPr/>
+          </a:p>
         </p:txBody>
       </p:sp>
       <p:sp>
         <p:nvSpPr>
           <p:cNvPr id="33" name="Shape 33"/>
-          <p:cNvSpPr txBox="1"/>
+          <p:cNvSpPr txBox="1">
+            <a:spLocks noGrp="1"/>
+          </p:cNvSpPr>
           <p:nvPr>
-            <p:ph idx="12" type="sldNum"/>
+            <p:ph type="sldNum" idx="12"/>
           </p:nvPr>
         </p:nvSpPr>
         <p:spPr>
@@ -2579,7 +2781,7 @@
           </a:prstGeom>
         </p:spPr>
         <p:txBody>
-          <a:bodyPr anchorCtr="0" anchor="ctr" bIns="91425" lIns="91425" rIns="91425" tIns="91425">
+          <a:bodyPr lIns="91425" tIns="91425" rIns="91425" bIns="91425" anchor="ctr" anchorCtr="0">
             <a:noAutofit/>
           </a:bodyPr>
           <a:lstStyle/>
@@ -2594,6 +2796,7 @@
               <a:rPr lang="en"/>
               <a:t>‹#›</a:t>
             </a:fld>
+            <a:endParaRPr lang="en"/>
           </a:p>
         </p:txBody>
       </p:sp>
@@ -2606,18 +2809,19 @@
 </file>
 
 <file path=ppt/slideLayouts/slideLayout7.xml><?xml version="1.0" encoding="utf-8"?>
-<p:sldLayout xmlns:a="http://schemas.openxmlformats.org/drawingml/2006/main" xmlns:r="http://schemas.openxmlformats.org/officeDocument/2006/relationships" xmlns:mc="http://schemas.openxmlformats.org/markup-compatibility/2006" xmlns:mv="urn:schemas-microsoft-com:mac:vml" xmlns:p="http://schemas.openxmlformats.org/presentationml/2006/main" xmlns:c="http://schemas.openxmlformats.org/drawingml/2006/chart" xmlns:dgm="http://schemas.openxmlformats.org/drawingml/2006/diagram" xmlns:o="urn:schemas-microsoft-com:office:office" xmlns:v="urn:schemas-microsoft-com:vml" xmlns:pvml="urn:schemas-microsoft-com:office:powerpoint" xmlns:com="http://schemas.openxmlformats.org/drawingml/2006/compatibility" xmlns:p14="http://schemas.microsoft.com/office/powerpoint/2010/main">
+<p:sldLayout xmlns:a="http://schemas.openxmlformats.org/drawingml/2006/main" xmlns:r="http://schemas.openxmlformats.org/officeDocument/2006/relationships" xmlns:p="http://schemas.openxmlformats.org/presentationml/2006/main">
   <p:cSld name="Main point">
     <p:bg>
       <p:bgPr>
         <a:solidFill>
           <a:schemeClr val="accent4"/>
         </a:solidFill>
+        <a:effectLst/>
       </p:bgPr>
     </p:bg>
     <p:spTree>
       <p:nvGrpSpPr>
-        <p:cNvPr id="34" name="Shape 34"/>
+        <p:cNvPr id="1" name="Shape 34"/>
         <p:cNvGrpSpPr/>
         <p:nvPr/>
       </p:nvGrpSpPr>
@@ -2632,7 +2836,9 @@
       <p:sp>
         <p:nvSpPr>
           <p:cNvPr id="35" name="Shape 35"/>
-          <p:cNvSpPr txBox="1"/>
+          <p:cNvSpPr txBox="1">
+            <a:spLocks noGrp="1"/>
+          </p:cNvSpPr>
           <p:nvPr>
             <p:ph type="title"/>
           </p:nvPr>
@@ -2647,7 +2853,7 @@
           </a:prstGeom>
         </p:spPr>
         <p:txBody>
-          <a:bodyPr anchorCtr="0" anchor="ctr" bIns="91425" lIns="91425" rIns="91425" tIns="91425"/>
+          <a:bodyPr lIns="91425" tIns="91425" rIns="91425" bIns="91425" anchor="ctr" anchorCtr="0"/>
           <a:lstStyle>
             <a:lvl1pPr lvl="0">
               <a:spcBef>
@@ -2776,15 +2982,19 @@
               </a:defRPr>
             </a:lvl9pPr>
           </a:lstStyle>
-          <a:p/>
+          <a:p>
+            <a:endParaRPr/>
+          </a:p>
         </p:txBody>
       </p:sp>
       <p:sp>
         <p:nvSpPr>
           <p:cNvPr id="36" name="Shape 36"/>
-          <p:cNvSpPr txBox="1"/>
+          <p:cNvSpPr txBox="1">
+            <a:spLocks noGrp="1"/>
+          </p:cNvSpPr>
           <p:nvPr>
-            <p:ph idx="12" type="sldNum"/>
+            <p:ph type="sldNum" idx="12"/>
           </p:nvPr>
         </p:nvSpPr>
         <p:spPr>
@@ -2797,7 +3007,7 @@
           </a:prstGeom>
         </p:spPr>
         <p:txBody>
-          <a:bodyPr anchorCtr="0" anchor="ctr" bIns="91425" lIns="91425" rIns="91425" tIns="91425">
+          <a:bodyPr lIns="91425" tIns="91425" rIns="91425" bIns="91425" anchor="ctr" anchorCtr="0">
             <a:noAutofit/>
           </a:bodyPr>
           <a:lstStyle/>
@@ -2816,6 +3026,11 @@
               </a:rPr>
               <a:t>‹#›</a:t>
             </a:fld>
+            <a:endParaRPr lang="en">
+              <a:solidFill>
+                <a:schemeClr val="lt1"/>
+              </a:solidFill>
+            </a:endParaRPr>
           </a:p>
         </p:txBody>
       </p:sp>
@@ -2828,11 +3043,11 @@
 </file>
 
 <file path=ppt/slideLayouts/slideLayout8.xml><?xml version="1.0" encoding="utf-8"?>
-<p:sldLayout xmlns:a="http://schemas.openxmlformats.org/drawingml/2006/main" xmlns:r="http://schemas.openxmlformats.org/officeDocument/2006/relationships" xmlns:mc="http://schemas.openxmlformats.org/markup-compatibility/2006" xmlns:mv="urn:schemas-microsoft-com:mac:vml" xmlns:p="http://schemas.openxmlformats.org/presentationml/2006/main" xmlns:c="http://schemas.openxmlformats.org/drawingml/2006/chart" xmlns:dgm="http://schemas.openxmlformats.org/drawingml/2006/diagram" xmlns:o="urn:schemas-microsoft-com:office:office" xmlns:v="urn:schemas-microsoft-com:vml" xmlns:pvml="urn:schemas-microsoft-com:office:powerpoint" xmlns:com="http://schemas.openxmlformats.org/drawingml/2006/compatibility" xmlns:p14="http://schemas.microsoft.com/office/powerpoint/2010/main">
+<p:sldLayout xmlns:a="http://schemas.openxmlformats.org/drawingml/2006/main" xmlns:r="http://schemas.openxmlformats.org/officeDocument/2006/relationships" xmlns:p="http://schemas.openxmlformats.org/presentationml/2006/main">
   <p:cSld name="Section title and description">
     <p:spTree>
       <p:nvGrpSpPr>
-        <p:cNvPr id="37" name="Shape 37"/>
+        <p:cNvPr id="1" name="Shape 37"/>
         <p:cNvGrpSpPr/>
         <p:nvPr/>
       </p:nvGrpSpPr>
@@ -2866,7 +3081,7 @@
           </a:ln>
         </p:spPr>
         <p:txBody>
-          <a:bodyPr anchorCtr="0" anchor="ctr" bIns="91425" lIns="91425" rIns="91425" tIns="91425">
+          <a:bodyPr lIns="91425" tIns="91425" rIns="91425" bIns="91425" anchor="ctr" anchorCtr="0">
             <a:noAutofit/>
           </a:bodyPr>
           <a:lstStyle/>
@@ -2877,9 +3092,6 @@
               </a:spcBef>
               <a:buNone/>
             </a:pPr>
-            <a:r>
-              <a:t/>
-            </a:r>
             <a:endParaRPr/>
           </a:p>
         </p:txBody>
@@ -2899,21 +3111,23 @@
             <a:avLst/>
           </a:prstGeom>
           <a:noFill/>
-          <a:ln cap="flat" cmpd="sng" w="28575">
+          <a:ln w="28575" cap="flat" cmpd="sng">
             <a:solidFill>
               <a:schemeClr val="lt1"/>
             </a:solidFill>
             <a:prstDash val="solid"/>
             <a:round/>
-            <a:headEnd len="med" w="med" type="none"/>
-            <a:tailEnd len="med" w="med" type="none"/>
+            <a:headEnd type="none" w="med" len="med"/>
+            <a:tailEnd type="none" w="med" len="med"/>
           </a:ln>
         </p:spPr>
       </p:cxnSp>
       <p:sp>
         <p:nvSpPr>
           <p:cNvPr id="40" name="Shape 40"/>
-          <p:cNvSpPr txBox="1"/>
+          <p:cNvSpPr txBox="1">
+            <a:spLocks noGrp="1"/>
+          </p:cNvSpPr>
           <p:nvPr>
             <p:ph type="title"/>
           </p:nvPr>
@@ -2928,7 +3142,7 @@
           </a:prstGeom>
         </p:spPr>
         <p:txBody>
-          <a:bodyPr anchorCtr="0" anchor="b" bIns="91425" lIns="91425" rIns="91425" tIns="91425"/>
+          <a:bodyPr lIns="91425" tIns="91425" rIns="91425" bIns="91425" anchor="b" anchorCtr="0"/>
           <a:lstStyle>
             <a:lvl1pPr lvl="0" algn="ctr">
               <a:spcBef>
@@ -2994,15 +3208,19 @@
               <a:defRPr sz="5400"/>
             </a:lvl9pPr>
           </a:lstStyle>
-          <a:p/>
+          <a:p>
+            <a:endParaRPr/>
+          </a:p>
         </p:txBody>
       </p:sp>
       <p:sp>
         <p:nvSpPr>
           <p:cNvPr id="41" name="Shape 41"/>
-          <p:cNvSpPr txBox="1"/>
+          <p:cNvSpPr txBox="1">
+            <a:spLocks noGrp="1"/>
+          </p:cNvSpPr>
           <p:nvPr>
-            <p:ph idx="1" type="subTitle"/>
+            <p:ph type="subTitle" idx="1"/>
           </p:nvPr>
         </p:nvSpPr>
         <p:spPr>
@@ -3015,7 +3233,7 @@
           </a:prstGeom>
         </p:spPr>
         <p:txBody>
-          <a:bodyPr anchorCtr="0" anchor="t" bIns="91425" lIns="91425" rIns="91425" tIns="91425"/>
+          <a:bodyPr lIns="91425" tIns="91425" rIns="91425" bIns="91425" anchor="t" anchorCtr="0"/>
           <a:lstStyle>
             <a:lvl1pPr lvl="0" algn="ctr">
               <a:lnSpc>
@@ -3143,15 +3361,19 @@
               <a:defRPr sz="1800"/>
             </a:lvl9pPr>
           </a:lstStyle>
-          <a:p/>
+          <a:p>
+            <a:endParaRPr/>
+          </a:p>
         </p:txBody>
       </p:sp>
       <p:sp>
         <p:nvSpPr>
           <p:cNvPr id="42" name="Shape 42"/>
-          <p:cNvSpPr txBox="1"/>
+          <p:cNvSpPr txBox="1">
+            <a:spLocks noGrp="1"/>
+          </p:cNvSpPr>
           <p:nvPr>
-            <p:ph idx="2" type="body"/>
+            <p:ph type="body" idx="2"/>
           </p:nvPr>
         </p:nvSpPr>
         <p:spPr>
@@ -3164,7 +3386,7 @@
           </a:prstGeom>
         </p:spPr>
         <p:txBody>
-          <a:bodyPr anchorCtr="0" anchor="ctr" bIns="91425" lIns="91425" rIns="91425" tIns="91425"/>
+          <a:bodyPr lIns="91425" tIns="91425" rIns="91425" bIns="91425" anchor="ctr" anchorCtr="0"/>
           <a:lstStyle>
             <a:lvl1pPr lvl="0">
               <a:spcBef>
@@ -3284,15 +3506,19 @@
               </a:defRPr>
             </a:lvl9pPr>
           </a:lstStyle>
-          <a:p/>
+          <a:p>
+            <a:endParaRPr/>
+          </a:p>
         </p:txBody>
       </p:sp>
       <p:sp>
         <p:nvSpPr>
           <p:cNvPr id="43" name="Shape 43"/>
-          <p:cNvSpPr txBox="1"/>
+          <p:cNvSpPr txBox="1">
+            <a:spLocks noGrp="1"/>
+          </p:cNvSpPr>
           <p:nvPr>
-            <p:ph idx="12" type="sldNum"/>
+            <p:ph type="sldNum" idx="12"/>
           </p:nvPr>
         </p:nvSpPr>
         <p:spPr>
@@ -3305,7 +3531,7 @@
           </a:prstGeom>
         </p:spPr>
         <p:txBody>
-          <a:bodyPr anchorCtr="0" anchor="ctr" bIns="91425" lIns="91425" rIns="91425" tIns="91425">
+          <a:bodyPr lIns="91425" tIns="91425" rIns="91425" bIns="91425" anchor="ctr" anchorCtr="0">
             <a:noAutofit/>
           </a:bodyPr>
           <a:lstStyle/>
@@ -3320,6 +3546,7 @@
               <a:rPr lang="en"/>
               <a:t>‹#›</a:t>
             </a:fld>
+            <a:endParaRPr lang="en"/>
           </a:p>
         </p:txBody>
       </p:sp>
@@ -3332,11 +3559,11 @@
 </file>
 
 <file path=ppt/slideLayouts/slideLayout9.xml><?xml version="1.0" encoding="utf-8"?>
-<p:sldLayout xmlns:a="http://schemas.openxmlformats.org/drawingml/2006/main" xmlns:r="http://schemas.openxmlformats.org/officeDocument/2006/relationships" xmlns:mc="http://schemas.openxmlformats.org/markup-compatibility/2006" xmlns:mv="urn:schemas-microsoft-com:mac:vml" xmlns:p="http://schemas.openxmlformats.org/presentationml/2006/main" xmlns:c="http://schemas.openxmlformats.org/drawingml/2006/chart" xmlns:dgm="http://schemas.openxmlformats.org/drawingml/2006/diagram" xmlns:o="urn:schemas-microsoft-com:office:office" xmlns:v="urn:schemas-microsoft-com:vml" xmlns:pvml="urn:schemas-microsoft-com:office:powerpoint" xmlns:com="http://schemas.openxmlformats.org/drawingml/2006/compatibility" xmlns:p14="http://schemas.microsoft.com/office/powerpoint/2010/main">
+<p:sldLayout xmlns:a="http://schemas.openxmlformats.org/drawingml/2006/main" xmlns:r="http://schemas.openxmlformats.org/officeDocument/2006/relationships" xmlns:p="http://schemas.openxmlformats.org/presentationml/2006/main">
   <p:cSld name="Caption">
     <p:spTree>
       <p:nvGrpSpPr>
-        <p:cNvPr id="44" name="Shape 44"/>
+        <p:cNvPr id="1" name="Shape 44"/>
         <p:cNvGrpSpPr/>
         <p:nvPr/>
       </p:nvGrpSpPr>
@@ -3351,9 +3578,11 @@
       <p:sp>
         <p:nvSpPr>
           <p:cNvPr id="45" name="Shape 45"/>
-          <p:cNvSpPr txBox="1"/>
+          <p:cNvSpPr txBox="1">
+            <a:spLocks noGrp="1"/>
+          </p:cNvSpPr>
           <p:nvPr>
-            <p:ph idx="1" type="body"/>
+            <p:ph type="body" idx="1"/>
           </p:nvPr>
         </p:nvSpPr>
         <p:spPr>
@@ -3366,7 +3595,7 @@
           </a:prstGeom>
         </p:spPr>
         <p:txBody>
-          <a:bodyPr anchorCtr="0" anchor="ctr" bIns="91425" lIns="91425" rIns="91425" tIns="91425"/>
+          <a:bodyPr lIns="91425" tIns="91425" rIns="91425" bIns="91425" anchor="ctr" anchorCtr="0"/>
           <a:lstStyle>
             <a:lvl1pPr lvl="0">
               <a:lnSpc>
@@ -3384,7 +3613,7 @@
               <a:buSzPct val="100000"/>
               <a:buFont typeface="Amatic SC"/>
               <a:buNone/>
-              <a:defRPr b="1" sz="2400">
+              <a:defRPr sz="2400" b="1">
                 <a:solidFill>
                   <a:schemeClr val="accent1"/>
                 </a:solidFill>
@@ -3395,15 +3624,19 @@
               </a:defRPr>
             </a:lvl1pPr>
           </a:lstStyle>
-          <a:p/>
+          <a:p>
+            <a:endParaRPr/>
+          </a:p>
         </p:txBody>
       </p:sp>
       <p:sp>
         <p:nvSpPr>
           <p:cNvPr id="46" name="Shape 46"/>
-          <p:cNvSpPr txBox="1"/>
+          <p:cNvSpPr txBox="1">
+            <a:spLocks noGrp="1"/>
+          </p:cNvSpPr>
           <p:nvPr>
-            <p:ph idx="12" type="sldNum"/>
+            <p:ph type="sldNum" idx="12"/>
           </p:nvPr>
         </p:nvSpPr>
         <p:spPr>
@@ -3416,7 +3649,7 @@
           </a:prstGeom>
         </p:spPr>
         <p:txBody>
-          <a:bodyPr anchorCtr="0" anchor="ctr" bIns="91425" lIns="91425" rIns="91425" tIns="91425">
+          <a:bodyPr lIns="91425" tIns="91425" rIns="91425" bIns="91425" anchor="ctr" anchorCtr="0">
             <a:noAutofit/>
           </a:bodyPr>
           <a:lstStyle/>
@@ -3431,6 +3664,7 @@
               <a:rPr lang="en"/>
               <a:t>‹#›</a:t>
             </a:fld>
+            <a:endParaRPr lang="en"/>
           </a:p>
         </p:txBody>
       </p:sp>
@@ -3443,18 +3677,19 @@
 </file>
 
 <file path=ppt/slideMasters/slideMaster1.xml><?xml version="1.0" encoding="utf-8"?>
-<p:sldMaster xmlns:a="http://schemas.openxmlformats.org/drawingml/2006/main" xmlns:r="http://schemas.openxmlformats.org/officeDocument/2006/relationships" xmlns:mc="http://schemas.openxmlformats.org/markup-compatibility/2006" xmlns:mv="urn:schemas-microsoft-com:mac:vml" xmlns:p="http://schemas.openxmlformats.org/presentationml/2006/main" xmlns:c="http://schemas.openxmlformats.org/drawingml/2006/chart" xmlns:dgm="http://schemas.openxmlformats.org/drawingml/2006/diagram" xmlns:o="urn:schemas-microsoft-com:office:office" xmlns:v="urn:schemas-microsoft-com:vml" xmlns:pvml="urn:schemas-microsoft-com:office:powerpoint" xmlns:com="http://schemas.openxmlformats.org/drawingml/2006/compatibility" xmlns:p14="http://schemas.microsoft.com/office/powerpoint/2010/main">
+<p:sldMaster xmlns:a="http://schemas.openxmlformats.org/drawingml/2006/main" xmlns:r="http://schemas.openxmlformats.org/officeDocument/2006/relationships" xmlns:p="http://schemas.openxmlformats.org/presentationml/2006/main">
   <p:cSld>
     <p:bg>
       <p:bgPr>
         <a:solidFill>
           <a:schemeClr val="lt1"/>
         </a:solidFill>
+        <a:effectLst/>
       </p:bgPr>
     </p:bg>
     <p:spTree>
       <p:nvGrpSpPr>
-        <p:cNvPr id="5" name="Shape 5"/>
+        <p:cNvPr id="1" name="Shape 5"/>
         <p:cNvGrpSpPr/>
         <p:nvPr/>
       </p:nvGrpSpPr>
@@ -3469,7 +3704,9 @@
       <p:sp>
         <p:nvSpPr>
           <p:cNvPr id="6" name="Shape 6"/>
-          <p:cNvSpPr txBox="1"/>
+          <p:cNvSpPr txBox="1">
+            <a:spLocks noGrp="1"/>
+          </p:cNvSpPr>
           <p:nvPr>
             <p:ph type="title"/>
           </p:nvPr>
@@ -3488,7 +3725,7 @@
           </a:ln>
         </p:spPr>
         <p:txBody>
-          <a:bodyPr anchorCtr="0" anchor="t" bIns="91425" lIns="91425" rIns="91425" tIns="91425"/>
+          <a:bodyPr lIns="91425" tIns="91425" rIns="91425" bIns="91425" anchor="t" anchorCtr="0"/>
           <a:lstStyle>
             <a:lvl1pPr lvl="0">
               <a:spcBef>
@@ -3500,7 +3737,7 @@
               <a:buSzPct val="100000"/>
               <a:buFont typeface="Amatic SC"/>
               <a:buNone/>
-              <a:defRPr b="1" sz="4200">
+              <a:defRPr sz="4200" b="1">
                 <a:solidFill>
                   <a:schemeClr val="accent1"/>
                 </a:solidFill>
@@ -3520,7 +3757,7 @@
               <a:buSzPct val="100000"/>
               <a:buFont typeface="Amatic SC"/>
               <a:buNone/>
-              <a:defRPr b="1" sz="4200">
+              <a:defRPr sz="4200" b="1">
                 <a:solidFill>
                   <a:schemeClr val="accent1"/>
                 </a:solidFill>
@@ -3540,7 +3777,7 @@
               <a:buSzPct val="100000"/>
               <a:buFont typeface="Amatic SC"/>
               <a:buNone/>
-              <a:defRPr b="1" sz="4200">
+              <a:defRPr sz="4200" b="1">
                 <a:solidFill>
                   <a:schemeClr val="accent1"/>
                 </a:solidFill>
@@ -3560,7 +3797,7 @@
               <a:buSzPct val="100000"/>
               <a:buFont typeface="Amatic SC"/>
               <a:buNone/>
-              <a:defRPr b="1" sz="4200">
+              <a:defRPr sz="4200" b="1">
                 <a:solidFill>
                   <a:schemeClr val="accent1"/>
                 </a:solidFill>
@@ -3580,7 +3817,7 @@
               <a:buSzPct val="100000"/>
               <a:buFont typeface="Amatic SC"/>
               <a:buNone/>
-              <a:defRPr b="1" sz="4200">
+              <a:defRPr sz="4200" b="1">
                 <a:solidFill>
                   <a:schemeClr val="accent1"/>
                 </a:solidFill>
@@ -3600,7 +3837,7 @@
               <a:buSzPct val="100000"/>
               <a:buFont typeface="Amatic SC"/>
               <a:buNone/>
-              <a:defRPr b="1" sz="4200">
+              <a:defRPr sz="4200" b="1">
                 <a:solidFill>
                   <a:schemeClr val="accent1"/>
                 </a:solidFill>
@@ -3620,7 +3857,7 @@
               <a:buSzPct val="100000"/>
               <a:buFont typeface="Amatic SC"/>
               <a:buNone/>
-              <a:defRPr b="1" sz="4200">
+              <a:defRPr sz="4200" b="1">
                 <a:solidFill>
                   <a:schemeClr val="accent1"/>
                 </a:solidFill>
@@ -3640,7 +3877,7 @@
               <a:buSzPct val="100000"/>
               <a:buFont typeface="Amatic SC"/>
               <a:buNone/>
-              <a:defRPr b="1" sz="4200">
+              <a:defRPr sz="4200" b="1">
                 <a:solidFill>
                   <a:schemeClr val="accent1"/>
                 </a:solidFill>
@@ -3660,7 +3897,7 @@
               <a:buSzPct val="100000"/>
               <a:buFont typeface="Amatic SC"/>
               <a:buNone/>
-              <a:defRPr b="1" sz="4200">
+              <a:defRPr sz="4200" b="1">
                 <a:solidFill>
                   <a:schemeClr val="accent1"/>
                 </a:solidFill>
@@ -3671,15 +3908,19 @@
               </a:defRPr>
             </a:lvl9pPr>
           </a:lstStyle>
-          <a:p/>
+          <a:p>
+            <a:endParaRPr/>
+          </a:p>
         </p:txBody>
       </p:sp>
       <p:sp>
         <p:nvSpPr>
           <p:cNvPr id="7" name="Shape 7"/>
-          <p:cNvSpPr txBox="1"/>
+          <p:cNvSpPr txBox="1">
+            <a:spLocks noGrp="1"/>
+          </p:cNvSpPr>
           <p:nvPr>
-            <p:ph idx="1" type="body"/>
+            <p:ph type="body" idx="1"/>
           </p:nvPr>
         </p:nvSpPr>
         <p:spPr>
@@ -3696,7 +3937,7 @@
           </a:ln>
         </p:spPr>
         <p:txBody>
-          <a:bodyPr anchorCtr="0" anchor="t" bIns="91425" lIns="91425" rIns="91425" tIns="91425"/>
+          <a:bodyPr lIns="91425" tIns="91425" rIns="91425" bIns="91425" anchor="t" anchorCtr="0"/>
           <a:lstStyle>
             <a:lvl1pPr lvl="0">
               <a:lnSpc>
@@ -3916,15 +4157,19 @@
               </a:defRPr>
             </a:lvl9pPr>
           </a:lstStyle>
-          <a:p/>
+          <a:p>
+            <a:endParaRPr/>
+          </a:p>
         </p:txBody>
       </p:sp>
       <p:sp>
         <p:nvSpPr>
           <p:cNvPr id="8" name="Shape 8"/>
-          <p:cNvSpPr txBox="1"/>
+          <p:cNvSpPr txBox="1">
+            <a:spLocks noGrp="1"/>
+          </p:cNvSpPr>
           <p:nvPr>
-            <p:ph idx="12" type="sldNum"/>
+            <p:ph type="sldNum" idx="12"/>
           </p:nvPr>
         </p:nvSpPr>
         <p:spPr>
@@ -3941,7 +4186,7 @@
           </a:ln>
         </p:spPr>
         <p:txBody>
-          <a:bodyPr anchorCtr="0" anchor="ctr" bIns="91425" lIns="91425" rIns="91425" tIns="91425">
+          <a:bodyPr lIns="91425" tIns="91425" rIns="91425" bIns="91425" anchor="ctr" anchorCtr="0">
             <a:noAutofit/>
           </a:bodyPr>
           <a:lstStyle/>
@@ -3964,12 +4209,21 @@
               </a:rPr>
               <a:t>‹#›</a:t>
             </a:fld>
+            <a:endParaRPr lang="en" sz="1000">
+              <a:solidFill>
+                <a:schemeClr val="accent1"/>
+              </a:solidFill>
+              <a:latin typeface="Source Code Pro"/>
+              <a:ea typeface="Source Code Pro"/>
+              <a:cs typeface="Source Code Pro"/>
+              <a:sym typeface="Source Code Pro"/>
+            </a:endParaRPr>
           </a:p>
         </p:txBody>
       </p:sp>
     </p:spTree>
   </p:cSld>
-  <p:clrMap accent1="accent1" accent2="accent2" accent3="accent3" accent4="accent4" accent5="accent5" accent6="accent6" bg1="lt1" bg2="dk2" tx1="dk1" tx2="lt2" folHlink="folHlink" hlink="hlink"/>
+  <p:clrMap bg1="lt1" tx1="dk1" bg2="dk2" tx2="lt2" accent1="accent1" accent2="accent2" accent3="accent3" accent4="accent4" accent5="accent5" accent6="accent6" hlink="hlink" folHlink="folHlink"/>
   <p:sldLayoutIdLst>
     <p:sldLayoutId id="2147483648" r:id="rId1"/>
     <p:sldLayoutId id="2147483649" r:id="rId2"/>
@@ -3983,10 +4237,10 @@
     <p:sldLayoutId id="2147483657" r:id="rId10"/>
     <p:sldLayoutId id="2147483658" r:id="rId11"/>
   </p:sldLayoutIdLst>
-  <p:hf dt="0" ftr="0" hdr="0" sldNum="0"/>
+  <p:hf sldNum="0" hdr="0" ftr="0" dt="0"/>
   <p:txStyles>
     <p:titleStyle>
-      <a:defPPr lvl="0" marR="0" rtl="0" algn="l">
+      <a:defPPr marR="0" lvl="0" algn="l" rtl="0">
         <a:lnSpc>
           <a:spcPct val="100000"/>
         </a:lnSpc>
@@ -3997,7 +4251,7 @@
           <a:spcPts val="0"/>
         </a:spcAft>
       </a:defPPr>
-      <a:lvl1pPr lvl="0" marR="0" rtl="0" algn="l">
+      <a:lvl1pPr marR="0" lvl="0" algn="l" rtl="0">
         <a:lnSpc>
           <a:spcPct val="100000"/>
         </a:lnSpc>
@@ -4008,7 +4262,7 @@
           <a:spcPts val="0"/>
         </a:spcAft>
         <a:buNone/>
-        <a:defRPr b="0" i="0" sz="1400" u="none" cap="none" strike="noStrike">
+        <a:defRPr sz="1400" b="0" i="0" u="none" strike="noStrike" cap="none">
           <a:solidFill>
             <a:srgbClr val="000000"/>
           </a:solidFill>
@@ -4020,7 +4274,7 @@
       </a:lvl1pPr>
     </p:titleStyle>
     <p:bodyStyle>
-      <a:defPPr lvl="0" marR="0" rtl="0" algn="l">
+      <a:defPPr marR="0" lvl="0" algn="l" rtl="0">
         <a:lnSpc>
           <a:spcPct val="100000"/>
         </a:lnSpc>
@@ -4031,7 +4285,7 @@
           <a:spcPts val="0"/>
         </a:spcAft>
       </a:defPPr>
-      <a:lvl1pPr lvl="0" marR="0" rtl="0" algn="l">
+      <a:lvl1pPr marR="0" lvl="0" algn="l" rtl="0">
         <a:lnSpc>
           <a:spcPct val="100000"/>
         </a:lnSpc>
@@ -4042,7 +4296,7 @@
           <a:spcPts val="0"/>
         </a:spcAft>
         <a:buNone/>
-        <a:defRPr b="0" i="0" sz="1400" u="none" cap="none" strike="noStrike">
+        <a:defRPr sz="1400" b="0" i="0" u="none" strike="noStrike" cap="none">
           <a:solidFill>
             <a:srgbClr val="000000"/>
           </a:solidFill>
@@ -4052,7 +4306,7 @@
           <a:sym typeface="Arial"/>
         </a:defRPr>
       </a:lvl1pPr>
-      <a:lvl2pPr lvl="1" marR="0" rtl="0" algn="l">
+      <a:lvl2pPr marR="0" lvl="1" algn="l" rtl="0">
         <a:lnSpc>
           <a:spcPct val="100000"/>
         </a:lnSpc>
@@ -4063,7 +4317,7 @@
           <a:spcPts val="0"/>
         </a:spcAft>
         <a:buNone/>
-        <a:defRPr b="0" i="0" sz="1400" u="none" cap="none" strike="noStrike">
+        <a:defRPr sz="1400" b="0" i="0" u="none" strike="noStrike" cap="none">
           <a:solidFill>
             <a:srgbClr val="000000"/>
           </a:solidFill>
@@ -4073,7 +4327,7 @@
           <a:sym typeface="Arial"/>
         </a:defRPr>
       </a:lvl2pPr>
-      <a:lvl3pPr lvl="2" marR="0" rtl="0" algn="l">
+      <a:lvl3pPr marR="0" lvl="2" algn="l" rtl="0">
         <a:lnSpc>
           <a:spcPct val="100000"/>
         </a:lnSpc>
@@ -4084,7 +4338,7 @@
           <a:spcPts val="0"/>
         </a:spcAft>
         <a:buNone/>
-        <a:defRPr b="0" i="0" sz="1400" u="none" cap="none" strike="noStrike">
+        <a:defRPr sz="1400" b="0" i="0" u="none" strike="noStrike" cap="none">
           <a:solidFill>
             <a:srgbClr val="000000"/>
           </a:solidFill>
@@ -4094,7 +4348,7 @@
           <a:sym typeface="Arial"/>
         </a:defRPr>
       </a:lvl3pPr>
-      <a:lvl4pPr lvl="3" marR="0" rtl="0" algn="l">
+      <a:lvl4pPr marR="0" lvl="3" algn="l" rtl="0">
         <a:lnSpc>
           <a:spcPct val="100000"/>
         </a:lnSpc>
@@ -4105,7 +4359,7 @@
           <a:spcPts val="0"/>
         </a:spcAft>
         <a:buNone/>
-        <a:defRPr b="0" i="0" sz="1400" u="none" cap="none" strike="noStrike">
+        <a:defRPr sz="1400" b="0" i="0" u="none" strike="noStrike" cap="none">
           <a:solidFill>
             <a:srgbClr val="000000"/>
           </a:solidFill>
@@ -4115,7 +4369,7 @@
           <a:sym typeface="Arial"/>
         </a:defRPr>
       </a:lvl4pPr>
-      <a:lvl5pPr lvl="4" marR="0" rtl="0" algn="l">
+      <a:lvl5pPr marR="0" lvl="4" algn="l" rtl="0">
         <a:lnSpc>
           <a:spcPct val="100000"/>
         </a:lnSpc>
@@ -4126,7 +4380,7 @@
           <a:spcPts val="0"/>
         </a:spcAft>
         <a:buNone/>
-        <a:defRPr b="0" i="0" sz="1400" u="none" cap="none" strike="noStrike">
+        <a:defRPr sz="1400" b="0" i="0" u="none" strike="noStrike" cap="none">
           <a:solidFill>
             <a:srgbClr val="000000"/>
           </a:solidFill>
@@ -4136,7 +4390,7 @@
           <a:sym typeface="Arial"/>
         </a:defRPr>
       </a:lvl5pPr>
-      <a:lvl6pPr lvl="5" marR="0" rtl="0" algn="l">
+      <a:lvl6pPr marR="0" lvl="5" algn="l" rtl="0">
         <a:lnSpc>
           <a:spcPct val="100000"/>
         </a:lnSpc>
@@ -4147,7 +4401,7 @@
           <a:spcPts val="0"/>
         </a:spcAft>
         <a:buNone/>
-        <a:defRPr b="0" i="0" sz="1400" u="none" cap="none" strike="noStrike">
+        <a:defRPr sz="1400" b="0" i="0" u="none" strike="noStrike" cap="none">
           <a:solidFill>
             <a:srgbClr val="000000"/>
           </a:solidFill>
@@ -4157,7 +4411,7 @@
           <a:sym typeface="Arial"/>
         </a:defRPr>
       </a:lvl6pPr>
-      <a:lvl7pPr lvl="6" marR="0" rtl="0" algn="l">
+      <a:lvl7pPr marR="0" lvl="6" algn="l" rtl="0">
         <a:lnSpc>
           <a:spcPct val="100000"/>
         </a:lnSpc>
@@ -4168,7 +4422,7 @@
           <a:spcPts val="0"/>
         </a:spcAft>
         <a:buNone/>
-        <a:defRPr b="0" i="0" sz="1400" u="none" cap="none" strike="noStrike">
+        <a:defRPr sz="1400" b="0" i="0" u="none" strike="noStrike" cap="none">
           <a:solidFill>
             <a:srgbClr val="000000"/>
           </a:solidFill>
@@ -4178,7 +4432,7 @@
           <a:sym typeface="Arial"/>
         </a:defRPr>
       </a:lvl7pPr>
-      <a:lvl8pPr lvl="7" marR="0" rtl="0" algn="l">
+      <a:lvl8pPr marR="0" lvl="7" algn="l" rtl="0">
         <a:lnSpc>
           <a:spcPct val="100000"/>
         </a:lnSpc>
@@ -4189,7 +4443,7 @@
           <a:spcPts val="0"/>
         </a:spcAft>
         <a:buNone/>
-        <a:defRPr b="0" i="0" sz="1400" u="none" cap="none" strike="noStrike">
+        <a:defRPr sz="1400" b="0" i="0" u="none" strike="noStrike" cap="none">
           <a:solidFill>
             <a:srgbClr val="000000"/>
           </a:solidFill>
@@ -4199,7 +4453,7 @@
           <a:sym typeface="Arial"/>
         </a:defRPr>
       </a:lvl8pPr>
-      <a:lvl9pPr lvl="8" marR="0" rtl="0" algn="l">
+      <a:lvl9pPr marR="0" lvl="8" algn="l" rtl="0">
         <a:lnSpc>
           <a:spcPct val="100000"/>
         </a:lnSpc>
@@ -4210,7 +4464,7 @@
           <a:spcPts val="0"/>
         </a:spcAft>
         <a:buNone/>
-        <a:defRPr b="0" i="0" sz="1400" u="none" cap="none" strike="noStrike">
+        <a:defRPr sz="1400" b="0" i="0" u="none" strike="noStrike" cap="none">
           <a:solidFill>
             <a:srgbClr val="000000"/>
           </a:solidFill>
@@ -4222,7 +4476,7 @@
       </a:lvl9pPr>
     </p:bodyStyle>
     <p:otherStyle>
-      <a:defPPr lvl="0" marR="0" rtl="0" algn="l">
+      <a:defPPr marR="0" lvl="0" algn="l" rtl="0">
         <a:lnSpc>
           <a:spcPct val="100000"/>
         </a:lnSpc>
@@ -4233,7 +4487,7 @@
           <a:spcPts val="0"/>
         </a:spcAft>
       </a:defPPr>
-      <a:lvl1pPr lvl="0" marR="0" rtl="0" algn="l">
+      <a:lvl1pPr marR="0" lvl="0" algn="l" rtl="0">
         <a:lnSpc>
           <a:spcPct val="100000"/>
         </a:lnSpc>
@@ -4244,7 +4498,7 @@
           <a:spcPts val="0"/>
         </a:spcAft>
         <a:buNone/>
-        <a:defRPr b="0" i="0" sz="1400" u="none" cap="none" strike="noStrike">
+        <a:defRPr sz="1400" b="0" i="0" u="none" strike="noStrike" cap="none">
           <a:solidFill>
             <a:srgbClr val="000000"/>
           </a:solidFill>
@@ -4254,7 +4508,7 @@
           <a:sym typeface="Arial"/>
         </a:defRPr>
       </a:lvl1pPr>
-      <a:lvl2pPr lvl="1" marR="0" rtl="0" algn="l">
+      <a:lvl2pPr marR="0" lvl="1" algn="l" rtl="0">
         <a:lnSpc>
           <a:spcPct val="100000"/>
         </a:lnSpc>
@@ -4265,7 +4519,7 @@
           <a:spcPts val="0"/>
         </a:spcAft>
         <a:buNone/>
-        <a:defRPr b="0" i="0" sz="1400" u="none" cap="none" strike="noStrike">
+        <a:defRPr sz="1400" b="0" i="0" u="none" strike="noStrike" cap="none">
           <a:solidFill>
             <a:srgbClr val="000000"/>
           </a:solidFill>
@@ -4275,7 +4529,7 @@
           <a:sym typeface="Arial"/>
         </a:defRPr>
       </a:lvl2pPr>
-      <a:lvl3pPr lvl="2" marR="0" rtl="0" algn="l">
+      <a:lvl3pPr marR="0" lvl="2" algn="l" rtl="0">
         <a:lnSpc>
           <a:spcPct val="100000"/>
         </a:lnSpc>
@@ -4286,7 +4540,7 @@
           <a:spcPts val="0"/>
         </a:spcAft>
         <a:buNone/>
-        <a:defRPr b="0" i="0" sz="1400" u="none" cap="none" strike="noStrike">
+        <a:defRPr sz="1400" b="0" i="0" u="none" strike="noStrike" cap="none">
           <a:solidFill>
             <a:srgbClr val="000000"/>
           </a:solidFill>
@@ -4296,7 +4550,7 @@
           <a:sym typeface="Arial"/>
         </a:defRPr>
       </a:lvl3pPr>
-      <a:lvl4pPr lvl="3" marR="0" rtl="0" algn="l">
+      <a:lvl4pPr marR="0" lvl="3" algn="l" rtl="0">
         <a:lnSpc>
           <a:spcPct val="100000"/>
         </a:lnSpc>
@@ -4307,7 +4561,7 @@
           <a:spcPts val="0"/>
         </a:spcAft>
         <a:buNone/>
-        <a:defRPr b="0" i="0" sz="1400" u="none" cap="none" strike="noStrike">
+        <a:defRPr sz="1400" b="0" i="0" u="none" strike="noStrike" cap="none">
           <a:solidFill>
             <a:srgbClr val="000000"/>
           </a:solidFill>
@@ -4317,7 +4571,7 @@
           <a:sym typeface="Arial"/>
         </a:defRPr>
       </a:lvl4pPr>
-      <a:lvl5pPr lvl="4" marR="0" rtl="0" algn="l">
+      <a:lvl5pPr marR="0" lvl="4" algn="l" rtl="0">
         <a:lnSpc>
           <a:spcPct val="100000"/>
         </a:lnSpc>
@@ -4328,7 +4582,7 @@
           <a:spcPts val="0"/>
         </a:spcAft>
         <a:buNone/>
-        <a:defRPr b="0" i="0" sz="1400" u="none" cap="none" strike="noStrike">
+        <a:defRPr sz="1400" b="0" i="0" u="none" strike="noStrike" cap="none">
           <a:solidFill>
             <a:srgbClr val="000000"/>
           </a:solidFill>
@@ -4338,7 +4592,7 @@
           <a:sym typeface="Arial"/>
         </a:defRPr>
       </a:lvl5pPr>
-      <a:lvl6pPr lvl="5" marR="0" rtl="0" algn="l">
+      <a:lvl6pPr marR="0" lvl="5" algn="l" rtl="0">
         <a:lnSpc>
           <a:spcPct val="100000"/>
         </a:lnSpc>
@@ -4349,7 +4603,7 @@
           <a:spcPts val="0"/>
         </a:spcAft>
         <a:buNone/>
-        <a:defRPr b="0" i="0" sz="1400" u="none" cap="none" strike="noStrike">
+        <a:defRPr sz="1400" b="0" i="0" u="none" strike="noStrike" cap="none">
           <a:solidFill>
             <a:srgbClr val="000000"/>
           </a:solidFill>
@@ -4359,7 +4613,7 @@
           <a:sym typeface="Arial"/>
         </a:defRPr>
       </a:lvl6pPr>
-      <a:lvl7pPr lvl="6" marR="0" rtl="0" algn="l">
+      <a:lvl7pPr marR="0" lvl="6" algn="l" rtl="0">
         <a:lnSpc>
           <a:spcPct val="100000"/>
         </a:lnSpc>
@@ -4370,7 +4624,7 @@
           <a:spcPts val="0"/>
         </a:spcAft>
         <a:buNone/>
-        <a:defRPr b="0" i="0" sz="1400" u="none" cap="none" strike="noStrike">
+        <a:defRPr sz="1400" b="0" i="0" u="none" strike="noStrike" cap="none">
           <a:solidFill>
             <a:srgbClr val="000000"/>
           </a:solidFill>
@@ -4380,7 +4634,7 @@
           <a:sym typeface="Arial"/>
         </a:defRPr>
       </a:lvl7pPr>
-      <a:lvl8pPr lvl="7" marR="0" rtl="0" algn="l">
+      <a:lvl8pPr marR="0" lvl="7" algn="l" rtl="0">
         <a:lnSpc>
           <a:spcPct val="100000"/>
         </a:lnSpc>
@@ -4391,7 +4645,7 @@
           <a:spcPts val="0"/>
         </a:spcAft>
         <a:buNone/>
-        <a:defRPr b="0" i="0" sz="1400" u="none" cap="none" strike="noStrike">
+        <a:defRPr sz="1400" b="0" i="0" u="none" strike="noStrike" cap="none">
           <a:solidFill>
             <a:srgbClr val="000000"/>
           </a:solidFill>
@@ -4401,7 +4655,7 @@
           <a:sym typeface="Arial"/>
         </a:defRPr>
       </a:lvl8pPr>
-      <a:lvl9pPr lvl="8" marR="0" rtl="0" algn="l">
+      <a:lvl9pPr marR="0" lvl="8" algn="l" rtl="0">
         <a:lnSpc>
           <a:spcPct val="100000"/>
         </a:lnSpc>
@@ -4412,7 +4666,7 @@
           <a:spcPts val="0"/>
         </a:spcAft>
         <a:buNone/>
-        <a:defRPr b="0" i="0" sz="1400" u="none" cap="none" strike="noStrike">
+        <a:defRPr sz="1400" b="0" i="0" u="none" strike="noStrike" cap="none">
           <a:solidFill>
             <a:srgbClr val="000000"/>
           </a:solidFill>
@@ -4428,11 +4682,11 @@
 </file>
 
 <file path=ppt/slides/slide1.xml><?xml version="1.0" encoding="utf-8"?>
-<p:sld xmlns:a="http://schemas.openxmlformats.org/drawingml/2006/main" xmlns:r="http://schemas.openxmlformats.org/officeDocument/2006/relationships" xmlns:mc="http://schemas.openxmlformats.org/markup-compatibility/2006" xmlns:mv="urn:schemas-microsoft-com:mac:vml" xmlns:p="http://schemas.openxmlformats.org/presentationml/2006/main" xmlns:c="http://schemas.openxmlformats.org/drawingml/2006/chart" xmlns:dgm="http://schemas.openxmlformats.org/drawingml/2006/diagram" xmlns:o="urn:schemas-microsoft-com:office:office" xmlns:v="urn:schemas-microsoft-com:vml" xmlns:pvml="urn:schemas-microsoft-com:office:powerpoint" xmlns:com="http://schemas.openxmlformats.org/drawingml/2006/compatibility" xmlns:p14="http://schemas.microsoft.com/office/powerpoint/2010/main">
+<p:sld xmlns:a="http://schemas.openxmlformats.org/drawingml/2006/main" xmlns:r="http://schemas.openxmlformats.org/officeDocument/2006/relationships" xmlns:p="http://schemas.openxmlformats.org/presentationml/2006/main">
   <p:cSld>
     <p:spTree>
       <p:nvGrpSpPr>
-        <p:cNvPr id="56" name="Shape 56"/>
+        <p:cNvPr id="1" name="Shape 56"/>
         <p:cNvGrpSpPr/>
         <p:nvPr/>
       </p:nvGrpSpPr>
@@ -4447,7 +4701,9 @@
       <p:sp>
         <p:nvSpPr>
           <p:cNvPr id="57" name="Shape 57"/>
-          <p:cNvSpPr txBox="1"/>
+          <p:cNvSpPr txBox="1">
+            <a:spLocks noGrp="1"/>
+          </p:cNvSpPr>
           <p:nvPr>
             <p:ph type="ctrTitle"/>
           </p:nvPr>
@@ -4462,7 +4718,7 @@
           </a:prstGeom>
         </p:spPr>
         <p:txBody>
-          <a:bodyPr anchorCtr="0" anchor="ctr" bIns="91425" lIns="91425" rIns="91425" tIns="91425">
+          <a:bodyPr lIns="91425" tIns="91425" rIns="91425" bIns="91425" anchor="ctr" anchorCtr="0">
             <a:noAutofit/>
           </a:bodyPr>
           <a:lstStyle/>
@@ -4483,9 +4739,11 @@
       <p:sp>
         <p:nvSpPr>
           <p:cNvPr id="58" name="Shape 58"/>
-          <p:cNvSpPr txBox="1"/>
+          <p:cNvSpPr txBox="1">
+            <a:spLocks noGrp="1"/>
+          </p:cNvSpPr>
           <p:nvPr>
-            <p:ph idx="1" type="subTitle"/>
+            <p:ph type="subTitle" idx="1"/>
           </p:nvPr>
         </p:nvSpPr>
         <p:spPr>
@@ -4498,7 +4756,7 @@
           </a:prstGeom>
         </p:spPr>
         <p:txBody>
-          <a:bodyPr anchorCtr="0" anchor="ctr" bIns="91425" lIns="91425" rIns="91425" tIns="91425">
+          <a:bodyPr lIns="91425" tIns="91425" rIns="91425" bIns="91425" anchor="ctr" anchorCtr="0">
             <a:noAutofit/>
           </a:bodyPr>
           <a:lstStyle/>
@@ -4525,11 +4783,11 @@
 </file>
 
 <file path=ppt/slides/slide2.xml><?xml version="1.0" encoding="utf-8"?>
-<p:sld xmlns:a="http://schemas.openxmlformats.org/drawingml/2006/main" xmlns:r="http://schemas.openxmlformats.org/officeDocument/2006/relationships" xmlns:mc="http://schemas.openxmlformats.org/markup-compatibility/2006" xmlns:mv="urn:schemas-microsoft-com:mac:vml" xmlns:p="http://schemas.openxmlformats.org/presentationml/2006/main" xmlns:c="http://schemas.openxmlformats.org/drawingml/2006/chart" xmlns:dgm="http://schemas.openxmlformats.org/drawingml/2006/diagram" xmlns:o="urn:schemas-microsoft-com:office:office" xmlns:v="urn:schemas-microsoft-com:vml" xmlns:pvml="urn:schemas-microsoft-com:office:powerpoint" xmlns:com="http://schemas.openxmlformats.org/drawingml/2006/compatibility" xmlns:p14="http://schemas.microsoft.com/office/powerpoint/2010/main">
+<p:sld xmlns:a="http://schemas.openxmlformats.org/drawingml/2006/main" xmlns:r="http://schemas.openxmlformats.org/officeDocument/2006/relationships" xmlns:p="http://schemas.openxmlformats.org/presentationml/2006/main">
   <p:cSld>
     <p:spTree>
       <p:nvGrpSpPr>
-        <p:cNvPr id="62" name="Shape 62"/>
+        <p:cNvPr id="1" name="Shape 62"/>
         <p:cNvGrpSpPr/>
         <p:nvPr/>
       </p:nvGrpSpPr>
@@ -4544,7 +4802,9 @@
       <p:sp>
         <p:nvSpPr>
           <p:cNvPr id="63" name="Shape 63"/>
-          <p:cNvSpPr txBox="1"/>
+          <p:cNvSpPr txBox="1">
+            <a:spLocks noGrp="1"/>
+          </p:cNvSpPr>
           <p:nvPr>
             <p:ph type="title"/>
           </p:nvPr>
@@ -4559,7 +4819,7 @@
           </a:prstGeom>
         </p:spPr>
         <p:txBody>
-          <a:bodyPr anchorCtr="0" anchor="t" bIns="91425" lIns="91425" rIns="91425" tIns="91425">
+          <a:bodyPr lIns="91425" tIns="91425" rIns="91425" bIns="91425" anchor="t" anchorCtr="0">
             <a:noAutofit/>
           </a:bodyPr>
           <a:lstStyle/>
@@ -4580,9 +4840,11 @@
       <p:sp>
         <p:nvSpPr>
           <p:cNvPr id="64" name="Shape 64"/>
-          <p:cNvSpPr txBox="1"/>
+          <p:cNvSpPr txBox="1">
+            <a:spLocks noGrp="1"/>
+          </p:cNvSpPr>
           <p:nvPr>
-            <p:ph idx="1" type="body"/>
+            <p:ph type="body" idx="1"/>
           </p:nvPr>
         </p:nvSpPr>
         <p:spPr>
@@ -4595,7 +4857,7 @@
           </a:prstGeom>
         </p:spPr>
         <p:txBody>
-          <a:bodyPr anchorCtr="0" anchor="t" bIns="91425" lIns="91425" rIns="91425" tIns="91425">
+          <a:bodyPr lIns="91425" tIns="91425" rIns="91425" bIns="91425" anchor="t" anchorCtr="0">
             <a:noAutofit/>
           </a:bodyPr>
           <a:lstStyle/>
@@ -4622,11 +4884,11 @@
 </file>
 
 <file path=ppt/slides/slide3.xml><?xml version="1.0" encoding="utf-8"?>
-<p:sld xmlns:a="http://schemas.openxmlformats.org/drawingml/2006/main" xmlns:r="http://schemas.openxmlformats.org/officeDocument/2006/relationships" xmlns:mc="http://schemas.openxmlformats.org/markup-compatibility/2006" xmlns:mv="urn:schemas-microsoft-com:mac:vml" xmlns:p="http://schemas.openxmlformats.org/presentationml/2006/main" xmlns:c="http://schemas.openxmlformats.org/drawingml/2006/chart" xmlns:dgm="http://schemas.openxmlformats.org/drawingml/2006/diagram" xmlns:o="urn:schemas-microsoft-com:office:office" xmlns:v="urn:schemas-microsoft-com:vml" xmlns:pvml="urn:schemas-microsoft-com:office:powerpoint" xmlns:com="http://schemas.openxmlformats.org/drawingml/2006/compatibility" xmlns:p14="http://schemas.microsoft.com/office/powerpoint/2010/main">
+<p:sld xmlns:a="http://schemas.openxmlformats.org/drawingml/2006/main" xmlns:r="http://schemas.openxmlformats.org/officeDocument/2006/relationships" xmlns:p="http://schemas.openxmlformats.org/presentationml/2006/main">
   <p:cSld>
     <p:spTree>
       <p:nvGrpSpPr>
-        <p:cNvPr id="68" name="Shape 68"/>
+        <p:cNvPr id="1" name="Shape 68"/>
         <p:cNvGrpSpPr/>
         <p:nvPr/>
       </p:nvGrpSpPr>
@@ -4641,7 +4903,9 @@
       <p:sp>
         <p:nvSpPr>
           <p:cNvPr id="69" name="Shape 69"/>
-          <p:cNvSpPr txBox="1"/>
+          <p:cNvSpPr txBox="1">
+            <a:spLocks noGrp="1"/>
+          </p:cNvSpPr>
           <p:nvPr>
             <p:ph type="title"/>
           </p:nvPr>
@@ -4656,7 +4920,7 @@
           </a:prstGeom>
         </p:spPr>
         <p:txBody>
-          <a:bodyPr anchorCtr="0" anchor="t" bIns="91425" lIns="91425" rIns="91425" tIns="91425">
+          <a:bodyPr lIns="91425" tIns="91425" rIns="91425" bIns="91425" anchor="t" anchorCtr="0">
             <a:noAutofit/>
           </a:bodyPr>
           <a:lstStyle/>
@@ -4677,9 +4941,11 @@
       <p:sp>
         <p:nvSpPr>
           <p:cNvPr id="70" name="Shape 70"/>
-          <p:cNvSpPr txBox="1"/>
+          <p:cNvSpPr txBox="1">
+            <a:spLocks noGrp="1"/>
+          </p:cNvSpPr>
           <p:nvPr>
-            <p:ph idx="1" type="body"/>
+            <p:ph type="body" idx="1"/>
           </p:nvPr>
         </p:nvSpPr>
         <p:spPr>
@@ -4692,7 +4958,7 @@
           </a:prstGeom>
         </p:spPr>
         <p:txBody>
-          <a:bodyPr anchorCtr="0" anchor="t" bIns="91425" lIns="91425" rIns="91425" tIns="91425">
+          <a:bodyPr lIns="91425" tIns="91425" rIns="91425" bIns="91425" anchor="t" anchorCtr="0">
             <a:noAutofit/>
           </a:bodyPr>
           <a:lstStyle/>
@@ -4718,8 +4984,375 @@
 </p:sld>
 </file>
 
+<file path=ppt/slides/slide4.xml><?xml version="1.0" encoding="utf-8"?>
+<p:sld xmlns:a="http://schemas.openxmlformats.org/drawingml/2006/main" xmlns:r="http://schemas.openxmlformats.org/officeDocument/2006/relationships" xmlns:p="http://schemas.openxmlformats.org/presentationml/2006/main">
+  <p:cSld>
+    <p:spTree>
+      <p:nvGrpSpPr>
+        <p:cNvPr id="1" name=""/>
+        <p:cNvGrpSpPr/>
+        <p:nvPr/>
+      </p:nvGrpSpPr>
+      <p:grpSpPr>
+        <a:xfrm>
+          <a:off x="0" y="0"/>
+          <a:ext cx="0" cy="0"/>
+          <a:chOff x="0" y="0"/>
+          <a:chExt cx="0" cy="0"/>
+        </a:xfrm>
+      </p:grpSpPr>
+      <p:sp>
+        <p:nvSpPr>
+          <p:cNvPr id="2" name="Title 1">
+            <a:extLst>
+              <a:ext uri="{FF2B5EF4-FFF2-40B4-BE49-F238E27FC236}">
+                <a16:creationId xmlns:a16="http://schemas.microsoft.com/office/drawing/2014/main" id="{3F88F6CA-2294-4560-8DCA-C4AE5F5BC1D1}"/>
+              </a:ext>
+            </a:extLst>
+          </p:cNvPr>
+          <p:cNvSpPr>
+            <a:spLocks noGrp="1"/>
+          </p:cNvSpPr>
+          <p:nvPr>
+            <p:ph type="title"/>
+          </p:nvPr>
+        </p:nvSpPr>
+        <p:spPr/>
+        <p:txBody>
+          <a:bodyPr/>
+          <a:lstStyle/>
+          <a:p>
+            <a:r>
+              <a:rPr lang="en-US" dirty="0"/>
+              <a:t>Link to video</a:t>
+            </a:r>
+          </a:p>
+        </p:txBody>
+      </p:sp>
+      <p:sp>
+        <p:nvSpPr>
+          <p:cNvPr id="3" name="Text Placeholder 2">
+            <a:extLst>
+              <a:ext uri="{FF2B5EF4-FFF2-40B4-BE49-F238E27FC236}">
+                <a16:creationId xmlns:a16="http://schemas.microsoft.com/office/drawing/2014/main" id="{1CF175F5-135E-4CC3-9A2A-FEBD9CB10AAC}"/>
+              </a:ext>
+            </a:extLst>
+          </p:cNvPr>
+          <p:cNvSpPr>
+            <a:spLocks noGrp="1"/>
+          </p:cNvSpPr>
+          <p:nvPr>
+            <p:ph type="body" idx="1"/>
+          </p:nvPr>
+        </p:nvSpPr>
+        <p:spPr/>
+        <p:txBody>
+          <a:bodyPr/>
+          <a:lstStyle/>
+          <a:p>
+            <a:r>
+              <a:rPr lang="en-US" dirty="0"/>
+              <a:t>https://www.youtube.com/watch?v=dssKNqc5EfM</a:t>
+            </a:r>
+          </a:p>
+        </p:txBody>
+      </p:sp>
+    </p:spTree>
+    <p:extLst>
+      <p:ext uri="{BB962C8B-B14F-4D97-AF65-F5344CB8AC3E}">
+        <p14:creationId xmlns:p14="http://schemas.microsoft.com/office/powerpoint/2010/main" val="3929106039"/>
+      </p:ext>
+    </p:extLst>
+  </p:cSld>
+  <p:clrMapOvr>
+    <a:masterClrMapping/>
+  </p:clrMapOvr>
+</p:sld>
+</file>
+
 <file path=ppt/theme/theme1.xml><?xml version="1.0" encoding="utf-8"?>
-<a:theme xmlns:a="http://schemas.openxmlformats.org/drawingml/2006/main" xmlns:r="http://schemas.openxmlformats.org/officeDocument/2006/relationships" name="Custom Theme">
+<a:theme xmlns:a="http://schemas.openxmlformats.org/drawingml/2006/main" name="beach-day">
+  <a:themeElements>
+    <a:clrScheme name="Beach Day">
+      <a:dk1>
+        <a:srgbClr val="00FDC8"/>
+      </a:dk1>
+      <a:lt1>
+        <a:srgbClr val="FFFFFF"/>
+      </a:lt1>
+      <a:dk2>
+        <a:srgbClr val="666666"/>
+      </a:dk2>
+      <a:lt2>
+        <a:srgbClr val="EEEEEE"/>
+      </a:lt2>
+      <a:accent1>
+        <a:srgbClr val="212121"/>
+      </a:accent1>
+      <a:accent2>
+        <a:srgbClr val="455A64"/>
+      </a:accent2>
+      <a:accent3>
+        <a:srgbClr val="78909C"/>
+      </a:accent3>
+      <a:accent4>
+        <a:srgbClr val="7C7CE0"/>
+      </a:accent4>
+      <a:accent5>
+        <a:srgbClr val="DB4437"/>
+      </a:accent5>
+      <a:accent6>
+        <a:srgbClr val="F6CD4C"/>
+      </a:accent6>
+      <a:hlink>
+        <a:srgbClr val="DB4437"/>
+      </a:hlink>
+      <a:folHlink>
+        <a:srgbClr val="DB4437"/>
+      </a:folHlink>
+    </a:clrScheme>
+    <a:fontScheme name="Office">
+      <a:majorFont>
+        <a:latin typeface="Arial"/>
+        <a:ea typeface=""/>
+        <a:cs typeface=""/>
+        <a:font script="Jpan" typeface="ＭＳ Ｐゴシック"/>
+        <a:font script="Hang" typeface="맑은 고딕"/>
+        <a:font script="Hans" typeface="宋体"/>
+        <a:font script="Hant" typeface="新細明體"/>
+        <a:font script="Arab" typeface="Times New Roman"/>
+        <a:font script="Hebr" typeface="Times New Roman"/>
+        <a:font script="Thai" typeface="Angsana New"/>
+        <a:font script="Ethi" typeface="Nyala"/>
+        <a:font script="Beng" typeface="Vrinda"/>
+        <a:font script="Gujr" typeface="Shruti"/>
+        <a:font script="Khmr" typeface="MoolBoran"/>
+        <a:font script="Knda" typeface="Tunga"/>
+        <a:font script="Guru" typeface="Raavi"/>
+        <a:font script="Cans" typeface="Euphemia"/>
+        <a:font script="Cher" typeface="Plantagenet Cherokee"/>
+        <a:font script="Yiii" typeface="Microsoft Yi Baiti"/>
+        <a:font script="Tibt" typeface="Microsoft Himalaya"/>
+        <a:font script="Thaa" typeface="MV Boli"/>
+        <a:font script="Deva" typeface="Mangal"/>
+        <a:font script="Telu" typeface="Gautami"/>
+        <a:font script="Taml" typeface="Latha"/>
+        <a:font script="Syrc" typeface="Estrangelo Edessa"/>
+        <a:font script="Orya" typeface="Kalinga"/>
+        <a:font script="Mlym" typeface="Kartika"/>
+        <a:font script="Laoo" typeface="DokChampa"/>
+        <a:font script="Sinh" typeface="Iskoola Pota"/>
+        <a:font script="Mong" typeface="Mongolian Baiti"/>
+        <a:font script="Viet" typeface="Times New Roman"/>
+        <a:font script="Uigh" typeface="Microsoft Uighur"/>
+        <a:font script="Geor" typeface="Sylfaen"/>
+      </a:majorFont>
+      <a:minorFont>
+        <a:latin typeface="Arial"/>
+        <a:ea typeface=""/>
+        <a:cs typeface=""/>
+        <a:font script="Jpan" typeface="ＭＳ Ｐゴシック"/>
+        <a:font script="Hang" typeface="맑은 고딕"/>
+        <a:font script="Hans" typeface="宋体"/>
+        <a:font script="Hant" typeface="新細明體"/>
+        <a:font script="Arab" typeface="Arial"/>
+        <a:font script="Hebr" typeface="Arial"/>
+        <a:font script="Thai" typeface="Cordia New"/>
+        <a:font script="Ethi" typeface="Nyala"/>
+        <a:font script="Beng" typeface="Vrinda"/>
+        <a:font script="Gujr" typeface="Shruti"/>
+        <a:font script="Khmr" typeface="DaunPenh"/>
+        <a:font script="Knda" typeface="Tunga"/>
+        <a:font script="Guru" typeface="Raavi"/>
+        <a:font script="Cans" typeface="Euphemia"/>
+        <a:font script="Cher" typeface="Plantagenet Cherokee"/>
+        <a:font script="Yiii" typeface="Microsoft Yi Baiti"/>
+        <a:font script="Tibt" typeface="Microsoft Himalaya"/>
+        <a:font script="Thaa" typeface="MV Boli"/>
+        <a:font script="Deva" typeface="Mangal"/>
+        <a:font script="Telu" typeface="Gautami"/>
+        <a:font script="Taml" typeface="Latha"/>
+        <a:font script="Syrc" typeface="Estrangelo Edessa"/>
+        <a:font script="Orya" typeface="Kalinga"/>
+        <a:font script="Mlym" typeface="Kartika"/>
+        <a:font script="Laoo" typeface="DokChampa"/>
+        <a:font script="Sinh" typeface="Iskoola Pota"/>
+        <a:font script="Mong" typeface="Mongolian Baiti"/>
+        <a:font script="Viet" typeface="Arial"/>
+        <a:font script="Uigh" typeface="Microsoft Uighur"/>
+        <a:font script="Geor" typeface="Sylfaen"/>
+      </a:minorFont>
+    </a:fontScheme>
+    <a:fmtScheme name="Office">
+      <a:fillStyleLst>
+        <a:solidFill>
+          <a:schemeClr val="phClr"/>
+        </a:solidFill>
+        <a:gradFill rotWithShape="1">
+          <a:gsLst>
+            <a:gs pos="0">
+              <a:schemeClr val="phClr">
+                <a:tint val="50000"/>
+                <a:satMod val="300000"/>
+              </a:schemeClr>
+            </a:gs>
+            <a:gs pos="35000">
+              <a:schemeClr val="phClr">
+                <a:tint val="37000"/>
+                <a:satMod val="300000"/>
+              </a:schemeClr>
+            </a:gs>
+            <a:gs pos="100000">
+              <a:schemeClr val="phClr">
+                <a:tint val="15000"/>
+                <a:satMod val="350000"/>
+              </a:schemeClr>
+            </a:gs>
+          </a:gsLst>
+          <a:lin ang="16200000" scaled="1"/>
+        </a:gradFill>
+        <a:gradFill rotWithShape="1">
+          <a:gsLst>
+            <a:gs pos="0">
+              <a:schemeClr val="phClr">
+                <a:tint val="100000"/>
+                <a:shade val="100000"/>
+                <a:satMod val="130000"/>
+              </a:schemeClr>
+            </a:gs>
+            <a:gs pos="100000">
+              <a:schemeClr val="phClr">
+                <a:tint val="50000"/>
+                <a:shade val="100000"/>
+                <a:satMod val="350000"/>
+              </a:schemeClr>
+            </a:gs>
+          </a:gsLst>
+          <a:lin ang="16200000" scaled="0"/>
+        </a:gradFill>
+      </a:fillStyleLst>
+      <a:lnStyleLst>
+        <a:ln w="9525" cap="flat" cmpd="sng" algn="ctr">
+          <a:solidFill>
+            <a:schemeClr val="phClr">
+              <a:shade val="95000"/>
+              <a:satMod val="105000"/>
+            </a:schemeClr>
+          </a:solidFill>
+          <a:prstDash val="solid"/>
+        </a:ln>
+        <a:ln w="25400" cap="flat" cmpd="sng" algn="ctr">
+          <a:solidFill>
+            <a:schemeClr val="phClr"/>
+          </a:solidFill>
+          <a:prstDash val="solid"/>
+        </a:ln>
+        <a:ln w="38100" cap="flat" cmpd="sng" algn="ctr">
+          <a:solidFill>
+            <a:schemeClr val="phClr"/>
+          </a:solidFill>
+          <a:prstDash val="solid"/>
+        </a:ln>
+      </a:lnStyleLst>
+      <a:effectStyleLst>
+        <a:effectStyle>
+          <a:effectLst>
+            <a:outerShdw blurRad="40000" dist="20000" dir="5400000" rotWithShape="0">
+              <a:srgbClr val="000000">
+                <a:alpha val="38000"/>
+              </a:srgbClr>
+            </a:outerShdw>
+          </a:effectLst>
+        </a:effectStyle>
+        <a:effectStyle>
+          <a:effectLst>
+            <a:outerShdw blurRad="40000" dist="23000" dir="5400000" rotWithShape="0">
+              <a:srgbClr val="000000">
+                <a:alpha val="35000"/>
+              </a:srgbClr>
+            </a:outerShdw>
+          </a:effectLst>
+        </a:effectStyle>
+        <a:effectStyle>
+          <a:effectLst>
+            <a:outerShdw blurRad="40000" dist="23000" dir="5400000" rotWithShape="0">
+              <a:srgbClr val="000000">
+                <a:alpha val="35000"/>
+              </a:srgbClr>
+            </a:outerShdw>
+          </a:effectLst>
+          <a:scene3d>
+            <a:camera prst="orthographicFront">
+              <a:rot lat="0" lon="0" rev="0"/>
+            </a:camera>
+            <a:lightRig rig="threePt" dir="t">
+              <a:rot lat="0" lon="0" rev="1200000"/>
+            </a:lightRig>
+          </a:scene3d>
+          <a:sp3d>
+            <a:bevelT w="63500" h="25400"/>
+          </a:sp3d>
+        </a:effectStyle>
+      </a:effectStyleLst>
+      <a:bgFillStyleLst>
+        <a:solidFill>
+          <a:schemeClr val="phClr"/>
+        </a:solidFill>
+        <a:gradFill rotWithShape="1">
+          <a:gsLst>
+            <a:gs pos="0">
+              <a:schemeClr val="phClr">
+                <a:tint val="40000"/>
+                <a:satMod val="350000"/>
+              </a:schemeClr>
+            </a:gs>
+            <a:gs pos="40000">
+              <a:schemeClr val="phClr">
+                <a:tint val="45000"/>
+                <a:shade val="99000"/>
+                <a:satMod val="350000"/>
+              </a:schemeClr>
+            </a:gs>
+            <a:gs pos="100000">
+              <a:schemeClr val="phClr">
+                <a:shade val="20000"/>
+                <a:satMod val="255000"/>
+              </a:schemeClr>
+            </a:gs>
+          </a:gsLst>
+          <a:path path="circle">
+            <a:fillToRect l="50000" t="-80000" r="50000" b="180000"/>
+          </a:path>
+        </a:gradFill>
+        <a:gradFill rotWithShape="1">
+          <a:gsLst>
+            <a:gs pos="0">
+              <a:schemeClr val="phClr">
+                <a:tint val="80000"/>
+                <a:satMod val="300000"/>
+              </a:schemeClr>
+            </a:gs>
+            <a:gs pos="100000">
+              <a:schemeClr val="phClr">
+                <a:shade val="30000"/>
+                <a:satMod val="200000"/>
+              </a:schemeClr>
+            </a:gs>
+          </a:gsLst>
+          <a:path path="circle">
+            <a:fillToRect l="50000" t="50000" r="50000" b="50000"/>
+          </a:path>
+        </a:gradFill>
+      </a:bgFillStyleLst>
+    </a:fmtScheme>
+  </a:themeElements>
+  <a:objectDefaults/>
+  <a:extraClrSchemeLst/>
+</a:theme>
+</file>
+
+<file path=ppt/theme/theme2.xml><?xml version="1.0" encoding="utf-8"?>
+<a:theme xmlns:a="http://schemas.openxmlformats.org/drawingml/2006/main" name="Custom Theme">
   <a:themeElements>
     <a:clrScheme name="Default">
       <a:dk1>
@@ -4994,284 +5627,7 @@
       </a:bgFillStyleLst>
     </a:fmtScheme>
   </a:themeElements>
-</a:theme>
-</file>
-
-<file path=ppt/theme/theme2.xml><?xml version="1.0" encoding="utf-8"?>
-<a:theme xmlns:a="http://schemas.openxmlformats.org/drawingml/2006/main" xmlns:r="http://schemas.openxmlformats.org/officeDocument/2006/relationships" name="beach-day">
-  <a:themeElements>
-    <a:clrScheme name="Beach Day">
-      <a:dk1>
-        <a:srgbClr val="00FDC8"/>
-      </a:dk1>
-      <a:lt1>
-        <a:srgbClr val="FFFFFF"/>
-      </a:lt1>
-      <a:dk2>
-        <a:srgbClr val="666666"/>
-      </a:dk2>
-      <a:lt2>
-        <a:srgbClr val="EEEEEE"/>
-      </a:lt2>
-      <a:accent1>
-        <a:srgbClr val="212121"/>
-      </a:accent1>
-      <a:accent2>
-        <a:srgbClr val="455A64"/>
-      </a:accent2>
-      <a:accent3>
-        <a:srgbClr val="78909C"/>
-      </a:accent3>
-      <a:accent4>
-        <a:srgbClr val="7C7CE0"/>
-      </a:accent4>
-      <a:accent5>
-        <a:srgbClr val="DB4437"/>
-      </a:accent5>
-      <a:accent6>
-        <a:srgbClr val="F6CD4C"/>
-      </a:accent6>
-      <a:hlink>
-        <a:srgbClr val="DB4437"/>
-      </a:hlink>
-      <a:folHlink>
-        <a:srgbClr val="DB4437"/>
-      </a:folHlink>
-    </a:clrScheme>
-    <a:fontScheme name="Office">
-      <a:majorFont>
-        <a:latin typeface="Arial"/>
-        <a:ea typeface=""/>
-        <a:cs typeface=""/>
-        <a:font script="Jpan" typeface="ＭＳ Ｐゴシック"/>
-        <a:font script="Hang" typeface="맑은 고딕"/>
-        <a:font script="Hans" typeface="宋体"/>
-        <a:font script="Hant" typeface="新細明體"/>
-        <a:font script="Arab" typeface="Times New Roman"/>
-        <a:font script="Hebr" typeface="Times New Roman"/>
-        <a:font script="Thai" typeface="Angsana New"/>
-        <a:font script="Ethi" typeface="Nyala"/>
-        <a:font script="Beng" typeface="Vrinda"/>
-        <a:font script="Gujr" typeface="Shruti"/>
-        <a:font script="Khmr" typeface="MoolBoran"/>
-        <a:font script="Knda" typeface="Tunga"/>
-        <a:font script="Guru" typeface="Raavi"/>
-        <a:font script="Cans" typeface="Euphemia"/>
-        <a:font script="Cher" typeface="Plantagenet Cherokee"/>
-        <a:font script="Yiii" typeface="Microsoft Yi Baiti"/>
-        <a:font script="Tibt" typeface="Microsoft Himalaya"/>
-        <a:font script="Thaa" typeface="MV Boli"/>
-        <a:font script="Deva" typeface="Mangal"/>
-        <a:font script="Telu" typeface="Gautami"/>
-        <a:font script="Taml" typeface="Latha"/>
-        <a:font script="Syrc" typeface="Estrangelo Edessa"/>
-        <a:font script="Orya" typeface="Kalinga"/>
-        <a:font script="Mlym" typeface="Kartika"/>
-        <a:font script="Laoo" typeface="DokChampa"/>
-        <a:font script="Sinh" typeface="Iskoola Pota"/>
-        <a:font script="Mong" typeface="Mongolian Baiti"/>
-        <a:font script="Viet" typeface="Times New Roman"/>
-        <a:font script="Uigh" typeface="Microsoft Uighur"/>
-        <a:font script="Geor" typeface="Sylfaen"/>
-      </a:majorFont>
-      <a:minorFont>
-        <a:latin typeface="Arial"/>
-        <a:ea typeface=""/>
-        <a:cs typeface=""/>
-        <a:font script="Jpan" typeface="ＭＳ Ｐゴシック"/>
-        <a:font script="Hang" typeface="맑은 고딕"/>
-        <a:font script="Hans" typeface="宋体"/>
-        <a:font script="Hant" typeface="新細明體"/>
-        <a:font script="Arab" typeface="Arial"/>
-        <a:font script="Hebr" typeface="Arial"/>
-        <a:font script="Thai" typeface="Cordia New"/>
-        <a:font script="Ethi" typeface="Nyala"/>
-        <a:font script="Beng" typeface="Vrinda"/>
-        <a:font script="Gujr" typeface="Shruti"/>
-        <a:font script="Khmr" typeface="DaunPenh"/>
-        <a:font script="Knda" typeface="Tunga"/>
-        <a:font script="Guru" typeface="Raavi"/>
-        <a:font script="Cans" typeface="Euphemia"/>
-        <a:font script="Cher" typeface="Plantagenet Cherokee"/>
-        <a:font script="Yiii" typeface="Microsoft Yi Baiti"/>
-        <a:font script="Tibt" typeface="Microsoft Himalaya"/>
-        <a:font script="Thaa" typeface="MV Boli"/>
-        <a:font script="Deva" typeface="Mangal"/>
-        <a:font script="Telu" typeface="Gautami"/>
-        <a:font script="Taml" typeface="Latha"/>
-        <a:font script="Syrc" typeface="Estrangelo Edessa"/>
-        <a:font script="Orya" typeface="Kalinga"/>
-        <a:font script="Mlym" typeface="Kartika"/>
-        <a:font script="Laoo" typeface="DokChampa"/>
-        <a:font script="Sinh" typeface="Iskoola Pota"/>
-        <a:font script="Mong" typeface="Mongolian Baiti"/>
-        <a:font script="Viet" typeface="Arial"/>
-        <a:font script="Uigh" typeface="Microsoft Uighur"/>
-        <a:font script="Geor" typeface="Sylfaen"/>
-      </a:minorFont>
-    </a:fontScheme>
-    <a:fmtScheme name="Office">
-      <a:fillStyleLst>
-        <a:solidFill>
-          <a:schemeClr val="phClr"/>
-        </a:solidFill>
-        <a:gradFill rotWithShape="1">
-          <a:gsLst>
-            <a:gs pos="0">
-              <a:schemeClr val="phClr">
-                <a:tint val="50000"/>
-                <a:satMod val="300000"/>
-              </a:schemeClr>
-            </a:gs>
-            <a:gs pos="35000">
-              <a:schemeClr val="phClr">
-                <a:tint val="37000"/>
-                <a:satMod val="300000"/>
-              </a:schemeClr>
-            </a:gs>
-            <a:gs pos="100000">
-              <a:schemeClr val="phClr">
-                <a:tint val="15000"/>
-                <a:satMod val="350000"/>
-              </a:schemeClr>
-            </a:gs>
-          </a:gsLst>
-          <a:lin ang="16200000" scaled="1"/>
-        </a:gradFill>
-        <a:gradFill rotWithShape="1">
-          <a:gsLst>
-            <a:gs pos="0">
-              <a:schemeClr val="phClr">
-                <a:tint val="100000"/>
-                <a:shade val="100000"/>
-                <a:satMod val="130000"/>
-              </a:schemeClr>
-            </a:gs>
-            <a:gs pos="100000">
-              <a:schemeClr val="phClr">
-                <a:tint val="50000"/>
-                <a:shade val="100000"/>
-                <a:satMod val="350000"/>
-              </a:schemeClr>
-            </a:gs>
-          </a:gsLst>
-          <a:lin ang="16200000" scaled="0"/>
-        </a:gradFill>
-      </a:fillStyleLst>
-      <a:lnStyleLst>
-        <a:ln w="9525" cap="flat" cmpd="sng" algn="ctr">
-          <a:solidFill>
-            <a:schemeClr val="phClr">
-              <a:shade val="95000"/>
-              <a:satMod val="105000"/>
-            </a:schemeClr>
-          </a:solidFill>
-          <a:prstDash val="solid"/>
-        </a:ln>
-        <a:ln w="25400" cap="flat" cmpd="sng" algn="ctr">
-          <a:solidFill>
-            <a:schemeClr val="phClr"/>
-          </a:solidFill>
-          <a:prstDash val="solid"/>
-        </a:ln>
-        <a:ln w="38100" cap="flat" cmpd="sng" algn="ctr">
-          <a:solidFill>
-            <a:schemeClr val="phClr"/>
-          </a:solidFill>
-          <a:prstDash val="solid"/>
-        </a:ln>
-      </a:lnStyleLst>
-      <a:effectStyleLst>
-        <a:effectStyle>
-          <a:effectLst>
-            <a:outerShdw blurRad="40000" dist="20000" dir="5400000" rotWithShape="0">
-              <a:srgbClr val="000000">
-                <a:alpha val="38000"/>
-              </a:srgbClr>
-            </a:outerShdw>
-          </a:effectLst>
-        </a:effectStyle>
-        <a:effectStyle>
-          <a:effectLst>
-            <a:outerShdw blurRad="40000" dist="23000" dir="5400000" rotWithShape="0">
-              <a:srgbClr val="000000">
-                <a:alpha val="35000"/>
-              </a:srgbClr>
-            </a:outerShdw>
-          </a:effectLst>
-        </a:effectStyle>
-        <a:effectStyle>
-          <a:effectLst>
-            <a:outerShdw blurRad="40000" dist="23000" dir="5400000" rotWithShape="0">
-              <a:srgbClr val="000000">
-                <a:alpha val="35000"/>
-              </a:srgbClr>
-            </a:outerShdw>
-          </a:effectLst>
-          <a:scene3d>
-            <a:camera prst="orthographicFront">
-              <a:rot lat="0" lon="0" rev="0"/>
-            </a:camera>
-            <a:lightRig rig="threePt" dir="t">
-              <a:rot lat="0" lon="0" rev="1200000"/>
-            </a:lightRig>
-          </a:scene3d>
-          <a:sp3d>
-            <a:bevelT w="63500" h="25400"/>
-          </a:sp3d>
-        </a:effectStyle>
-      </a:effectStyleLst>
-      <a:bgFillStyleLst>
-        <a:solidFill>
-          <a:schemeClr val="phClr"/>
-        </a:solidFill>
-        <a:gradFill rotWithShape="1">
-          <a:gsLst>
-            <a:gs pos="0">
-              <a:schemeClr val="phClr">
-                <a:tint val="40000"/>
-                <a:satMod val="350000"/>
-              </a:schemeClr>
-            </a:gs>
-            <a:gs pos="40000">
-              <a:schemeClr val="phClr">
-                <a:tint val="45000"/>
-                <a:shade val="99000"/>
-                <a:satMod val="350000"/>
-              </a:schemeClr>
-            </a:gs>
-            <a:gs pos="100000">
-              <a:schemeClr val="phClr">
-                <a:shade val="20000"/>
-                <a:satMod val="255000"/>
-              </a:schemeClr>
-            </a:gs>
-          </a:gsLst>
-          <a:path path="circle">
-            <a:fillToRect l="50000" t="-80000" r="50000" b="180000"/>
-          </a:path>
-        </a:gradFill>
-        <a:gradFill rotWithShape="1">
-          <a:gsLst>
-            <a:gs pos="0">
-              <a:schemeClr val="phClr">
-                <a:tint val="80000"/>
-                <a:satMod val="300000"/>
-              </a:schemeClr>
-            </a:gs>
-            <a:gs pos="100000">
-              <a:schemeClr val="phClr">
-                <a:shade val="30000"/>
-                <a:satMod val="200000"/>
-              </a:schemeClr>
-            </a:gs>
-          </a:gsLst>
-          <a:path path="circle">
-            <a:fillToRect l="50000" t="50000" r="50000" b="50000"/>
-          </a:path>
-        </a:gradFill>
-      </a:bgFillStyleLst>
-    </a:fmtScheme>
-  </a:themeElements>
+  <a:objectDefaults/>
+  <a:extraClrSchemeLst/>
 </a:theme>
 </file>